--- a/Poster.pptx
+++ b/Poster.pptx
@@ -4767,7 +4767,7 @@
         </p:nvSpPr>
         <p:spPr bwMode="auto">
           <a:xfrm>
-            <a:off x="2971800" y="7578726"/>
+            <a:off x="2971800" y="7146678"/>
             <a:ext cx="23187025" cy="1731963"/>
           </a:xfrm>
           <a:prstGeom prst="rect">
@@ -5248,7 +5248,7 @@
         </p:nvSpPr>
         <p:spPr bwMode="auto">
           <a:xfrm>
-            <a:off x="848556" y="10748171"/>
+            <a:off x="522363" y="10677628"/>
             <a:ext cx="13627100" cy="6264275"/>
           </a:xfrm>
           <a:prstGeom prst="rect">
@@ -5425,7 +5425,7 @@
             </a:lvl9pPr>
           </a:lstStyle>
           <a:p>
-            <a:pPr>
+            <a:pPr algn="just">
               <a:lnSpc>
                 <a:spcPct val="150000"/>
               </a:lnSpc>
@@ -5437,48 +5437,15 @@
               <a:buNone/>
             </a:pPr>
             <a:r>
-              <a:rPr lang="pt-BR" sz="2800" dirty="0">
+              <a:rPr lang="pt-BR" sz="2800" dirty="0" err="1">
                 <a:solidFill>
                   <a:srgbClr val="000000"/>
                 </a:solidFill>
                 <a:latin typeface="Helvetica" charset="0"/>
                 <a:cs typeface="Helvetica" charset="0"/>
               </a:rPr>
-              <a:t>Mr. Mouse é um singelo ratinho que está em busca de encontrar o seu queijo na imensidão de uma cozinha, que parece mais um labirinto. Para isso, ele deverá contar com a sua agilidade e destreza para encontrar as chaves e abrir os cadeados das despensas, fazendo tudo no menor tempo possível para não ser pego.</a:t>
+              <a:t>Maze</a:t>
             </a:r>
-          </a:p>
-          <a:p>
-            <a:pPr>
-              <a:lnSpc>
-                <a:spcPct val="150000"/>
-              </a:lnSpc>
-              <a:buClr>
-                <a:srgbClr val="000000"/>
-              </a:buClr>
-              <a:buSzPct val="100000"/>
-              <a:buFont typeface="Verdana" charset="0"/>
-              <a:buNone/>
-            </a:pPr>
-            <a:endParaRPr lang="pt-BR" sz="2800" dirty="0">
-              <a:solidFill>
-                <a:srgbClr val="000000"/>
-              </a:solidFill>
-              <a:latin typeface="Helvetica" charset="0"/>
-              <a:cs typeface="Helvetica" charset="0"/>
-            </a:endParaRPr>
-          </a:p>
-          <a:p>
-            <a:pPr>
-              <a:lnSpc>
-                <a:spcPct val="150000"/>
-              </a:lnSpc>
-              <a:buClr>
-                <a:srgbClr val="000000"/>
-              </a:buClr>
-              <a:buSzPct val="100000"/>
-              <a:buFont typeface="Verdana" charset="0"/>
-              <a:buNone/>
-            </a:pPr>
             <a:r>
               <a:rPr lang="pt-BR" sz="2800" dirty="0">
                 <a:solidFill>
@@ -5487,7 +5454,7 @@
                 <a:latin typeface="Helvetica" charset="0"/>
                 <a:cs typeface="Helvetica" charset="0"/>
               </a:rPr>
-              <a:t>Nesta seção apresente seu jogo/</a:t>
+              <a:t> </a:t>
             </a:r>
             <a:r>
               <a:rPr lang="pt-BR" sz="2800" dirty="0" err="1">
@@ -5497,7 +5464,7 @@
                 <a:latin typeface="Helvetica" charset="0"/>
                 <a:cs typeface="Helvetica" charset="0"/>
               </a:rPr>
-              <a:t>app</a:t>
+              <a:t>Scape</a:t>
             </a:r>
             <a:r>
               <a:rPr lang="pt-BR" sz="2800" dirty="0">
@@ -5507,7 +5474,7 @@
                 <a:latin typeface="Helvetica" charset="0"/>
                 <a:cs typeface="Helvetica" charset="0"/>
               </a:rPr>
-              <a:t>/sistema, enredo/problemática e justificativa.</a:t>
+              <a:t> é um jogo de labirinto que desenvolve-se no cenário seguinte cenário: Mr. Mouse é um singelo ratinho que está em busca de encontrar o seu queijo na imensidão de uma cozinha, que parece mais um labirinto. Para isso, ele deverá contar com a sua agilidade e destreza para encontrar as chaves e abrir os cadeados das despensas, fazendo tudo no menor tempo possível para não ser pego.</a:t>
             </a:r>
           </a:p>
         </p:txBody>
@@ -5825,7 +5792,7 @@
         </p:nvSpPr>
         <p:spPr bwMode="auto">
           <a:xfrm>
-            <a:off x="664553" y="27018255"/>
+            <a:off x="522363" y="31599648"/>
             <a:ext cx="11974512" cy="784225"/>
           </a:xfrm>
           <a:prstGeom prst="rect">
@@ -6128,7 +6095,7 @@
         </p:nvSpPr>
         <p:spPr bwMode="auto">
           <a:xfrm>
-            <a:off x="679194" y="28017866"/>
+            <a:off x="600778" y="32965178"/>
             <a:ext cx="14122656" cy="8445500"/>
           </a:xfrm>
           <a:prstGeom prst="rect">
@@ -7226,7 +7193,7 @@
               <a:buNone/>
             </a:pPr>
             <a:r>
-              <a:rPr lang="en-GB" sz="4400" b="1">
+              <a:rPr lang="en-GB" sz="4400" b="1" dirty="0">
                 <a:solidFill>
                   <a:srgbClr val="000000"/>
                 </a:solidFill>
@@ -7248,8 +7215,8 @@
         </p:nvSpPr>
         <p:spPr bwMode="auto">
           <a:xfrm>
-            <a:off x="15860713" y="28069328"/>
-            <a:ext cx="11609387" cy="4895850"/>
+            <a:off x="16076613" y="28069328"/>
+            <a:ext cx="11393487" cy="4895850"/>
           </a:xfrm>
           <a:prstGeom prst="rect">
             <a:avLst/>
@@ -7437,14 +7404,14 @@
               <a:buNone/>
             </a:pPr>
             <a:r>
-              <a:rPr lang="pt-BR" sz="2800">
+              <a:rPr lang="pt-BR" sz="2800" dirty="0">
                 <a:solidFill>
                   <a:srgbClr val="000000"/>
                 </a:solidFill>
                 <a:latin typeface="Helvetica" charset="0"/>
                 <a:cs typeface="Helvetica" charset="0"/>
               </a:rPr>
-              <a:t>	Referenciar os trabalhos de terceiros utilizados</a:t>
+              <a:t>Referenciar os trabalhos de terceiros utilizados</a:t>
             </a:r>
           </a:p>
         </p:txBody>
@@ -7659,43 +7626,6 @@
       </p:sp>
       <p:sp>
         <p:nvSpPr>
-          <p:cNvPr id="15374" name="Rectangle 3"/>
-          <p:cNvSpPr>
-            <a:spLocks noChangeArrowheads="1"/>
-          </p:cNvSpPr>
-          <p:nvPr/>
-        </p:nvSpPr>
-        <p:spPr bwMode="auto">
-          <a:xfrm>
-            <a:off x="522363" y="449263"/>
-            <a:ext cx="29092525" cy="6625407"/>
-          </a:xfrm>
-          <a:prstGeom prst="rect">
-            <a:avLst/>
-          </a:prstGeom>
-          <a:solidFill>
-            <a:schemeClr val="accent1"/>
-          </a:solidFill>
-          <a:ln w="9525">
-            <a:solidFill>
-              <a:schemeClr val="tx1"/>
-            </a:solidFill>
-            <a:round/>
-            <a:headEnd/>
-            <a:tailEnd/>
-          </a:ln>
-        </p:spPr>
-        <p:txBody>
-          <a:bodyPr/>
-          <a:lstStyle/>
-          <a:p>
-            <a:pPr defTabSz="4176713"/>
-            <a:endParaRPr lang="en-US" dirty="0"/>
-          </a:p>
-        </p:txBody>
-      </p:sp>
-      <p:sp>
-        <p:nvSpPr>
           <p:cNvPr id="16" name="Text Box 7"/>
           <p:cNvSpPr txBox="1">
             <a:spLocks noChangeArrowheads="1"/>
@@ -7704,8 +7634,8 @@
         </p:nvSpPr>
         <p:spPr bwMode="auto">
           <a:xfrm>
-            <a:off x="16048269" y="10937716"/>
-            <a:ext cx="13627100" cy="6264275"/>
+            <a:off x="16048269" y="10937715"/>
+            <a:ext cx="13627100" cy="14089587"/>
           </a:xfrm>
           <a:prstGeom prst="rect">
             <a:avLst/>
@@ -7881,7 +7811,7 @@
             </a:lvl9pPr>
           </a:lstStyle>
           <a:p>
-            <a:pPr>
+            <a:pPr algn="just">
               <a:lnSpc>
                 <a:spcPct val="150000"/>
               </a:lnSpc>
@@ -7900,7 +7830,362 @@
                 <a:latin typeface="Helvetica" charset="0"/>
                 <a:cs typeface="Helvetica" charset="0"/>
               </a:rPr>
-              <a:t>Nesta seção descreva e apresente quais as tecnologias utilizadas, tecnicamente como foi o processo desenvolvimento e os principais desafios técnicos.</a:t>
+              <a:t>Todo acompanhamento da evolução do jogo foi feita através da ferramenta web de gerenciamento de projeto, </a:t>
+            </a:r>
+            <a:r>
+              <a:rPr lang="pt-BR" sz="2800" dirty="0" err="1">
+                <a:solidFill>
+                  <a:srgbClr val="000000"/>
+                </a:solidFill>
+                <a:latin typeface="Helvetica" charset="0"/>
+                <a:cs typeface="Helvetica" charset="0"/>
+              </a:rPr>
+              <a:t>Trello</a:t>
+            </a:r>
+            <a:r>
+              <a:rPr lang="pt-BR" sz="2800" dirty="0">
+                <a:solidFill>
+                  <a:srgbClr val="000000"/>
+                </a:solidFill>
+                <a:latin typeface="Helvetica" charset="0"/>
+                <a:cs typeface="Helvetica" charset="0"/>
+              </a:rPr>
+              <a:t>, utilizando-se de cartões para controle do fluxo de desenvolvimento, baseado no modelo </a:t>
+            </a:r>
+            <a:r>
+              <a:rPr lang="pt-BR" sz="2800" dirty="0" err="1">
+                <a:solidFill>
+                  <a:srgbClr val="000000"/>
+                </a:solidFill>
+                <a:latin typeface="Helvetica" charset="0"/>
+                <a:cs typeface="Helvetica" charset="0"/>
+              </a:rPr>
+              <a:t>Kanban</a:t>
+            </a:r>
+            <a:r>
+              <a:rPr lang="pt-BR" sz="2800" dirty="0">
+                <a:solidFill>
+                  <a:srgbClr val="000000"/>
+                </a:solidFill>
+                <a:latin typeface="Helvetica" charset="0"/>
+                <a:cs typeface="Helvetica" charset="0"/>
+              </a:rPr>
+              <a:t> (“</a:t>
+            </a:r>
+            <a:r>
+              <a:rPr lang="pt-BR" sz="2800" i="1" dirty="0" err="1">
+                <a:solidFill>
+                  <a:srgbClr val="000000"/>
+                </a:solidFill>
+                <a:latin typeface="Helvetica" charset="0"/>
+                <a:cs typeface="Helvetica" charset="0"/>
+              </a:rPr>
+              <a:t>to</a:t>
+            </a:r>
+            <a:r>
+              <a:rPr lang="pt-BR" sz="2800" i="1" dirty="0">
+                <a:solidFill>
+                  <a:srgbClr val="000000"/>
+                </a:solidFill>
+                <a:latin typeface="Helvetica" charset="0"/>
+                <a:cs typeface="Helvetica" charset="0"/>
+              </a:rPr>
+              <a:t> do</a:t>
+            </a:r>
+            <a:r>
+              <a:rPr lang="pt-BR" sz="2800" dirty="0">
+                <a:solidFill>
+                  <a:srgbClr val="000000"/>
+                </a:solidFill>
+                <a:latin typeface="Helvetica" charset="0"/>
+                <a:cs typeface="Helvetica" charset="0"/>
+              </a:rPr>
+              <a:t>”, “</a:t>
+            </a:r>
+            <a:r>
+              <a:rPr lang="pt-BR" sz="2800" i="1" dirty="0" err="1">
+                <a:solidFill>
+                  <a:srgbClr val="000000"/>
+                </a:solidFill>
+                <a:latin typeface="Helvetica" charset="0"/>
+                <a:cs typeface="Helvetica" charset="0"/>
+              </a:rPr>
+              <a:t>doing</a:t>
+            </a:r>
+            <a:r>
+              <a:rPr lang="pt-BR" sz="2800" dirty="0">
+                <a:solidFill>
+                  <a:srgbClr val="000000"/>
+                </a:solidFill>
+                <a:latin typeface="Helvetica" charset="0"/>
+                <a:cs typeface="Helvetica" charset="0"/>
+              </a:rPr>
+              <a:t>”, ”</a:t>
+            </a:r>
+            <a:r>
+              <a:rPr lang="pt-BR" sz="2800" i="1" dirty="0" err="1">
+                <a:solidFill>
+                  <a:srgbClr val="000000"/>
+                </a:solidFill>
+                <a:latin typeface="Helvetica" charset="0"/>
+                <a:cs typeface="Helvetica" charset="0"/>
+              </a:rPr>
+              <a:t>review</a:t>
+            </a:r>
+            <a:r>
+              <a:rPr lang="pt-BR" sz="2800" dirty="0">
+                <a:solidFill>
+                  <a:srgbClr val="000000"/>
+                </a:solidFill>
+                <a:latin typeface="Helvetica" charset="0"/>
+                <a:cs typeface="Helvetica" charset="0"/>
+              </a:rPr>
+              <a:t>”, “</a:t>
+            </a:r>
+            <a:r>
+              <a:rPr lang="pt-BR" sz="2800" i="1" dirty="0" err="1">
+                <a:solidFill>
+                  <a:srgbClr val="000000"/>
+                </a:solidFill>
+                <a:latin typeface="Helvetica" charset="0"/>
+                <a:cs typeface="Helvetica" charset="0"/>
+              </a:rPr>
+              <a:t>done</a:t>
+            </a:r>
+            <a:r>
+              <a:rPr lang="pt-BR" sz="2800" dirty="0">
+                <a:solidFill>
+                  <a:srgbClr val="000000"/>
+                </a:solidFill>
+                <a:latin typeface="Helvetica" charset="0"/>
+                <a:cs typeface="Helvetica" charset="0"/>
+              </a:rPr>
+              <a:t>”).</a:t>
+            </a:r>
+          </a:p>
+          <a:p>
+            <a:pPr algn="just">
+              <a:lnSpc>
+                <a:spcPct val="150000"/>
+              </a:lnSpc>
+              <a:buClr>
+                <a:srgbClr val="000000"/>
+              </a:buClr>
+              <a:buSzPct val="100000"/>
+              <a:buFont typeface="Verdana" charset="0"/>
+              <a:buNone/>
+            </a:pPr>
+            <a:endParaRPr lang="pt-BR" sz="2800" dirty="0">
+              <a:solidFill>
+                <a:srgbClr val="000000"/>
+              </a:solidFill>
+              <a:latin typeface="Helvetica" charset="0"/>
+              <a:cs typeface="Helvetica" charset="0"/>
+            </a:endParaRPr>
+          </a:p>
+          <a:p>
+            <a:pPr algn="just">
+              <a:lnSpc>
+                <a:spcPct val="150000"/>
+              </a:lnSpc>
+              <a:buClr>
+                <a:srgbClr val="000000"/>
+              </a:buClr>
+              <a:buSzPct val="100000"/>
+              <a:buFont typeface="Verdana" charset="0"/>
+              <a:buNone/>
+            </a:pPr>
+            <a:r>
+              <a:rPr lang="pt-BR" sz="2800" dirty="0">
+                <a:solidFill>
+                  <a:srgbClr val="000000"/>
+                </a:solidFill>
+                <a:latin typeface="Helvetica" charset="0"/>
+                <a:cs typeface="Helvetica" charset="0"/>
+              </a:rPr>
+              <a:t>A base de inspiração foi em jogos </a:t>
+            </a:r>
+            <a:r>
+              <a:rPr lang="pt-BR" sz="2800" i="1" dirty="0">
+                <a:solidFill>
+                  <a:srgbClr val="000000"/>
+                </a:solidFill>
+                <a:latin typeface="Helvetica" charset="0"/>
+                <a:cs typeface="Helvetica" charset="0"/>
+              </a:rPr>
+              <a:t>Arcade</a:t>
+            </a:r>
+            <a:r>
+              <a:rPr lang="pt-BR" sz="2800" dirty="0">
+                <a:solidFill>
+                  <a:srgbClr val="000000"/>
+                </a:solidFill>
+                <a:latin typeface="Helvetica" charset="0"/>
+                <a:cs typeface="Helvetica" charset="0"/>
+              </a:rPr>
+              <a:t>, como o </a:t>
+            </a:r>
+            <a:r>
+              <a:rPr lang="pt-BR" sz="2800" dirty="0" err="1">
+                <a:solidFill>
+                  <a:srgbClr val="000000"/>
+                </a:solidFill>
+                <a:latin typeface="Helvetica" charset="0"/>
+                <a:cs typeface="Helvetica" charset="0"/>
+              </a:rPr>
+              <a:t>Pacman</a:t>
+            </a:r>
+            <a:r>
+              <a:rPr lang="pt-BR" sz="2800" dirty="0">
+                <a:solidFill>
+                  <a:srgbClr val="000000"/>
+                </a:solidFill>
+                <a:latin typeface="Helvetica" charset="0"/>
+                <a:cs typeface="Helvetica" charset="0"/>
+              </a:rPr>
+              <a:t>, com uma temática de obstáculos como um labirinto e objetivos definidos que devem ser concluídos até que o tempo definido se esgote.</a:t>
+            </a:r>
+          </a:p>
+          <a:p>
+            <a:pPr algn="just">
+              <a:lnSpc>
+                <a:spcPct val="150000"/>
+              </a:lnSpc>
+              <a:buClr>
+                <a:srgbClr val="000000"/>
+              </a:buClr>
+              <a:buSzPct val="100000"/>
+              <a:buFont typeface="Verdana" charset="0"/>
+              <a:buNone/>
+            </a:pPr>
+            <a:endParaRPr lang="pt-BR" sz="2800" dirty="0">
+              <a:solidFill>
+                <a:srgbClr val="000000"/>
+              </a:solidFill>
+              <a:latin typeface="Helvetica" charset="0"/>
+              <a:cs typeface="Helvetica" charset="0"/>
+            </a:endParaRPr>
+          </a:p>
+          <a:p>
+            <a:pPr algn="just">
+              <a:lnSpc>
+                <a:spcPct val="150000"/>
+              </a:lnSpc>
+              <a:buClr>
+                <a:srgbClr val="000000"/>
+              </a:buClr>
+              <a:buSzPct val="100000"/>
+              <a:buFont typeface="Verdana" charset="0"/>
+              <a:buNone/>
+            </a:pPr>
+            <a:r>
+              <a:rPr lang="pt-BR" sz="2800" dirty="0">
+                <a:solidFill>
+                  <a:srgbClr val="000000"/>
+                </a:solidFill>
+                <a:latin typeface="Helvetica" charset="0"/>
+                <a:cs typeface="Helvetica" charset="0"/>
+              </a:rPr>
+              <a:t>O principal desafio foi na maneira de representar o labirinto dentro do jogo. A primeira versão deu-se através de obstáculos com corpo físico aplicado, porém não provou-se escalável. A modelagem escolhida foi através de matrizes, utilizando-se de valores binários (0 ou 1) para definir pontos de obstáculo e pontos de caminho. Mediante cálculos matemáticos simples, calcula-se a posição do jogador e verifica a instrução dada pelo controle para saber se é possível movimentar-se para o ponto desejado.</a:t>
+            </a:r>
+          </a:p>
+          <a:p>
+            <a:pPr algn="just">
+              <a:lnSpc>
+                <a:spcPct val="150000"/>
+              </a:lnSpc>
+              <a:buClr>
+                <a:srgbClr val="000000"/>
+              </a:buClr>
+              <a:buSzPct val="100000"/>
+            </a:pPr>
+            <a:endParaRPr lang="pt-BR" sz="2800" dirty="0">
+              <a:solidFill>
+                <a:srgbClr val="000000"/>
+              </a:solidFill>
+              <a:latin typeface="Helvetica" charset="0"/>
+              <a:cs typeface="Helvetica" charset="0"/>
+            </a:endParaRPr>
+          </a:p>
+          <a:p>
+            <a:pPr algn="just">
+              <a:lnSpc>
+                <a:spcPct val="150000"/>
+              </a:lnSpc>
+              <a:buClr>
+                <a:srgbClr val="000000"/>
+              </a:buClr>
+              <a:buSzPct val="100000"/>
+            </a:pPr>
+            <a:r>
+              <a:rPr lang="pt-BR" sz="2800" dirty="0">
+                <a:solidFill>
+                  <a:srgbClr val="000000"/>
+                </a:solidFill>
+                <a:latin typeface="Helvetica" charset="0"/>
+                <a:cs typeface="Helvetica" charset="0"/>
+              </a:rPr>
+              <a:t>O projeto foi desenvolvido utilizando-se do kit de desenvolvimento, Corona </a:t>
+            </a:r>
+            <a:r>
+              <a:rPr lang="pt-BR" sz="2800" dirty="0" err="1">
+                <a:solidFill>
+                  <a:srgbClr val="000000"/>
+                </a:solidFill>
+                <a:latin typeface="Helvetica" charset="0"/>
+                <a:cs typeface="Helvetica" charset="0"/>
+              </a:rPr>
+              <a:t>Labs</a:t>
+            </a:r>
+            <a:r>
+              <a:rPr lang="pt-BR" sz="2800" dirty="0">
+                <a:solidFill>
+                  <a:srgbClr val="000000"/>
+                </a:solidFill>
+                <a:latin typeface="Helvetica" charset="0"/>
+                <a:cs typeface="Helvetica" charset="0"/>
+              </a:rPr>
+              <a:t>, escrevendo o código na linguagem de programação Lua. O editor de código-fonte utilizado foi o Visual Studio </a:t>
+            </a:r>
+            <a:r>
+              <a:rPr lang="pt-BR" sz="2800" dirty="0" err="1">
+                <a:solidFill>
+                  <a:srgbClr val="000000"/>
+                </a:solidFill>
+                <a:latin typeface="Helvetica" charset="0"/>
+                <a:cs typeface="Helvetica" charset="0"/>
+              </a:rPr>
+              <a:t>Code</a:t>
+            </a:r>
+            <a:r>
+              <a:rPr lang="pt-BR" sz="2800" dirty="0">
+                <a:solidFill>
+                  <a:srgbClr val="000000"/>
+                </a:solidFill>
+                <a:latin typeface="Helvetica" charset="0"/>
+                <a:cs typeface="Helvetica" charset="0"/>
+              </a:rPr>
+              <a:t>. Foi-se utilizado para controle de versão, a ferramenta </a:t>
+            </a:r>
+            <a:r>
+              <a:rPr lang="pt-BR" sz="2800" dirty="0" err="1">
+                <a:solidFill>
+                  <a:srgbClr val="000000"/>
+                </a:solidFill>
+                <a:latin typeface="Helvetica" charset="0"/>
+                <a:cs typeface="Helvetica" charset="0"/>
+              </a:rPr>
+              <a:t>Git</a:t>
+            </a:r>
+            <a:r>
+              <a:rPr lang="pt-BR" sz="2800" dirty="0">
+                <a:solidFill>
+                  <a:srgbClr val="000000"/>
+                </a:solidFill>
+                <a:latin typeface="Helvetica" charset="0"/>
+                <a:cs typeface="Helvetica" charset="0"/>
+              </a:rPr>
+              <a:t>.</a:t>
             </a:r>
           </a:p>
         </p:txBody>
@@ -7927,8 +8212,8 @@
         </p:blipFill>
         <p:spPr>
           <a:xfrm>
-            <a:off x="534181" y="18324744"/>
-            <a:ext cx="12104884" cy="6407697"/>
+            <a:off x="534181" y="18324745"/>
+            <a:ext cx="11509462" cy="6092512"/>
           </a:xfrm>
           <a:prstGeom prst="rect">
             <a:avLst/>
@@ -7957,8 +8242,8 @@
         </p:blipFill>
         <p:spPr>
           <a:xfrm>
-            <a:off x="13460413" y="17427518"/>
-            <a:ext cx="5232400" cy="8140700"/>
+            <a:off x="522363" y="25033063"/>
+            <a:ext cx="3509456" cy="5460100"/>
           </a:xfrm>
           <a:prstGeom prst="rect">
             <a:avLst/>
@@ -7987,8 +8272,8 @@
         </p:blipFill>
         <p:spPr>
           <a:xfrm>
-            <a:off x="19037114" y="17427518"/>
-            <a:ext cx="5256584" cy="8140700"/>
+            <a:off x="4812442" y="25027303"/>
+            <a:ext cx="3525676" cy="5460100"/>
           </a:xfrm>
           <a:prstGeom prst="rect">
             <a:avLst/>
@@ -8017,8 +8302,8 @@
         </p:blipFill>
         <p:spPr>
           <a:xfrm>
-            <a:off x="24708756" y="17427518"/>
-            <a:ext cx="5219700" cy="8140700"/>
+            <a:off x="8998482" y="25031087"/>
+            <a:ext cx="3500938" cy="5460100"/>
           </a:xfrm>
           <a:prstGeom prst="rect">
             <a:avLst/>

--- a/Poster.pptx
+++ b/Poster.pptx
@@ -5474,7 +5474,7 @@
                 <a:latin typeface="Helvetica" charset="0"/>
                 <a:cs typeface="Helvetica" charset="0"/>
               </a:rPr>
-              <a:t> é um jogo de labirinto que desenvolve-se no cenário seguinte cenário: Mr. Mouse é um singelo ratinho que está em busca de encontrar o seu queijo na imensidão de uma cozinha, que parece mais um labirinto. Para isso, ele deverá contar com a sua agilidade e destreza para encontrar as chaves e abrir os cadeados das despensas, fazendo tudo no menor tempo possível para não ser pego.</a:t>
+              <a:t> é um jogo de labirinto, de gênero Livre, que desenvolve-se no cenário seguinte cenário: Mr. Mouse é um singelo ratinho que está em busca de encontrar o seu queijo na imensidão de uma cozinha, que parece mais um labirinto. Para isso, ele deverá contar com a sua agilidade e destreza para encontrar as chaves e abrir os cadeados das despensas, fazendo tudo no menor tempo possível para não ser pego.</a:t>
             </a:r>
           </a:p>
         </p:txBody>
@@ -6291,8 +6291,55 @@
                 <a:latin typeface="Helvetica" charset="0"/>
                 <a:cs typeface="Helvetica" charset="0"/>
               </a:rPr>
-              <a:t>Descreva qual o estado atual do seu software, quais os resultados obtidos, e o que fica pra trabalhos futuros.</a:t>
-            </a:r>
+              <a:t>O estado atual já está bem desenvolvido, baseado nas metas definidas no início do projeto. Todas as funcionalidades estão operantes para uma boa </a:t>
+            </a:r>
+            <a:r>
+              <a:rPr lang="pt-BR" sz="2800" dirty="0" err="1">
+                <a:solidFill>
+                  <a:srgbClr val="000000"/>
+                </a:solidFill>
+                <a:latin typeface="Helvetica" charset="0"/>
+                <a:cs typeface="Helvetica" charset="0"/>
+              </a:rPr>
+              <a:t>jogabilidade</a:t>
+            </a:r>
+            <a:r>
+              <a:rPr lang="pt-BR" sz="2800" dirty="0">
+                <a:solidFill>
+                  <a:srgbClr val="000000"/>
+                </a:solidFill>
+                <a:latin typeface="Helvetica" charset="0"/>
+                <a:cs typeface="Helvetica" charset="0"/>
+              </a:rPr>
+              <a:t>. Algumas mudanças futuras podem ser aplicadas, como adição de novas fases, melhorias na </a:t>
+            </a:r>
+            <a:r>
+              <a:rPr lang="pt-BR" sz="2800" i="1" dirty="0">
+                <a:solidFill>
+                  <a:srgbClr val="000000"/>
+                </a:solidFill>
+                <a:latin typeface="Helvetica" charset="0"/>
+                <a:cs typeface="Helvetica" charset="0"/>
+              </a:rPr>
+              <a:t>interface</a:t>
+            </a:r>
+            <a:r>
+              <a:rPr lang="pt-BR" sz="2800" dirty="0">
+                <a:solidFill>
+                  <a:srgbClr val="000000"/>
+                </a:solidFill>
+                <a:latin typeface="Helvetica" charset="0"/>
+                <a:cs typeface="Helvetica" charset="0"/>
+              </a:rPr>
+              <a:t>, etc. </a:t>
+            </a:r>
+            <a:endParaRPr lang="pt-BR" sz="2800" i="1" dirty="0">
+              <a:solidFill>
+                <a:srgbClr val="000000"/>
+              </a:solidFill>
+              <a:latin typeface="Helvetica" charset="0"/>
+              <a:cs typeface="Helvetica" charset="0"/>
+            </a:endParaRPr>
           </a:p>
         </p:txBody>
       </p:sp>
@@ -7392,7 +7439,7 @@
             </a:lvl9pPr>
           </a:lstStyle>
           <a:p>
-            <a:pPr algn="just">
+            <a:pPr>
               <a:lnSpc>
                 <a:spcPct val="150000"/>
               </a:lnSpc>
@@ -7404,14 +7451,380 @@
               <a:buNone/>
             </a:pPr>
             <a:r>
-              <a:rPr lang="pt-BR" sz="2800" dirty="0">
+              <a:rPr lang="pt-BR" sz="2800" b="1" dirty="0">
                 <a:solidFill>
                   <a:srgbClr val="000000"/>
                 </a:solidFill>
                 <a:latin typeface="Helvetica" charset="0"/>
                 <a:cs typeface="Helvetica" charset="0"/>
               </a:rPr>
-              <a:t>Referenciar os trabalhos de terceiros utilizados</a:t>
+              <a:t>Áudio:</a:t>
+            </a:r>
+            <a:r>
+              <a:rPr lang="pt-BR" sz="2800" dirty="0">
+                <a:solidFill>
+                  <a:srgbClr val="000000"/>
+                </a:solidFill>
+                <a:latin typeface="Helvetica" charset="0"/>
+                <a:cs typeface="Helvetica" charset="0"/>
+              </a:rPr>
+              <a:t> </a:t>
+            </a:r>
+            <a:r>
+              <a:rPr lang="pt-BR" sz="2800" dirty="0" err="1">
+                <a:solidFill>
+                  <a:srgbClr val="000000"/>
+                </a:solidFill>
+                <a:latin typeface="Helvetica" charset="0"/>
+                <a:cs typeface="Helvetica" charset="0"/>
+              </a:rPr>
+              <a:t>YouTube</a:t>
+            </a:r>
+            <a:r>
+              <a:rPr lang="pt-BR" sz="2800" dirty="0">
+                <a:solidFill>
+                  <a:srgbClr val="000000"/>
+                </a:solidFill>
+                <a:latin typeface="Helvetica" charset="0"/>
+                <a:cs typeface="Helvetica" charset="0"/>
+              </a:rPr>
+              <a:t> </a:t>
+            </a:r>
+            <a:r>
+              <a:rPr lang="pt-BR" sz="2800" dirty="0" err="1">
+                <a:solidFill>
+                  <a:srgbClr val="000000"/>
+                </a:solidFill>
+                <a:latin typeface="Helvetica" charset="0"/>
+                <a:cs typeface="Helvetica" charset="0"/>
+              </a:rPr>
+              <a:t>Audio</a:t>
+            </a:r>
+            <a:r>
+              <a:rPr lang="pt-BR" sz="2800" dirty="0">
+                <a:solidFill>
+                  <a:srgbClr val="000000"/>
+                </a:solidFill>
+                <a:latin typeface="Helvetica" charset="0"/>
+                <a:cs typeface="Helvetica" charset="0"/>
+              </a:rPr>
+              <a:t> Library, </a:t>
+            </a:r>
+            <a:r>
+              <a:rPr lang="pt-BR" sz="2800" dirty="0" err="1">
+                <a:solidFill>
+                  <a:srgbClr val="000000"/>
+                </a:solidFill>
+                <a:latin typeface="Helvetica" charset="0"/>
+                <a:cs typeface="Helvetica" charset="0"/>
+              </a:rPr>
+              <a:t>Soundsnap</a:t>
+            </a:r>
+            <a:r>
+              <a:rPr lang="pt-BR" sz="2800" dirty="0">
+                <a:solidFill>
+                  <a:srgbClr val="000000"/>
+                </a:solidFill>
+                <a:latin typeface="Helvetica" charset="0"/>
+                <a:cs typeface="Helvetica" charset="0"/>
+              </a:rPr>
+              <a:t>.</a:t>
+            </a:r>
+          </a:p>
+          <a:p>
+            <a:pPr>
+              <a:lnSpc>
+                <a:spcPct val="150000"/>
+              </a:lnSpc>
+              <a:buClr>
+                <a:srgbClr val="000000"/>
+              </a:buClr>
+              <a:buSzPct val="100000"/>
+              <a:buFont typeface="Verdana" charset="0"/>
+              <a:buNone/>
+            </a:pPr>
+            <a:r>
+              <a:rPr lang="pt-BR" sz="2800" b="1" dirty="0">
+                <a:solidFill>
+                  <a:srgbClr val="000000"/>
+                </a:solidFill>
+                <a:latin typeface="Helvetica" charset="0"/>
+                <a:cs typeface="Helvetica" charset="0"/>
+              </a:rPr>
+              <a:t>Imagens:</a:t>
+            </a:r>
+            <a:r>
+              <a:rPr lang="pt-BR" sz="2800" dirty="0">
+                <a:solidFill>
+                  <a:srgbClr val="000000"/>
+                </a:solidFill>
+                <a:latin typeface="Helvetica" charset="0"/>
+                <a:cs typeface="Helvetica" charset="0"/>
+              </a:rPr>
+              <a:t> </a:t>
+            </a:r>
+            <a:r>
+              <a:rPr lang="pt-BR" sz="2800" dirty="0" err="1">
+                <a:solidFill>
+                  <a:srgbClr val="000000"/>
+                </a:solidFill>
+                <a:latin typeface="Helvetica" charset="0"/>
+                <a:cs typeface="Helvetica" charset="0"/>
+              </a:rPr>
+              <a:t>Shutterstock</a:t>
+            </a:r>
+            <a:r>
+              <a:rPr lang="pt-BR" sz="2800" dirty="0">
+                <a:solidFill>
+                  <a:srgbClr val="000000"/>
+                </a:solidFill>
+                <a:latin typeface="Helvetica" charset="0"/>
+                <a:cs typeface="Helvetica" charset="0"/>
+              </a:rPr>
+              <a:t>, </a:t>
+            </a:r>
+            <a:r>
+              <a:rPr lang="pt-BR" sz="2800" dirty="0" err="1">
+                <a:solidFill>
+                  <a:srgbClr val="000000"/>
+                </a:solidFill>
+                <a:latin typeface="Helvetica" charset="0"/>
+                <a:cs typeface="Helvetica" charset="0"/>
+              </a:rPr>
+              <a:t>PinClipart</a:t>
+            </a:r>
+            <a:r>
+              <a:rPr lang="pt-BR" sz="2800" dirty="0">
+                <a:solidFill>
+                  <a:srgbClr val="000000"/>
+                </a:solidFill>
+                <a:latin typeface="Helvetica" charset="0"/>
+                <a:cs typeface="Helvetica" charset="0"/>
+              </a:rPr>
+              <a:t>, Pixel </a:t>
+            </a:r>
+            <a:r>
+              <a:rPr lang="pt-BR" sz="2800" dirty="0" err="1">
+                <a:solidFill>
+                  <a:srgbClr val="000000"/>
+                </a:solidFill>
+                <a:latin typeface="Helvetica" charset="0"/>
+                <a:cs typeface="Helvetica" charset="0"/>
+              </a:rPr>
+              <a:t>Art</a:t>
+            </a:r>
+            <a:r>
+              <a:rPr lang="pt-BR" sz="2800" dirty="0">
+                <a:solidFill>
+                  <a:srgbClr val="000000"/>
+                </a:solidFill>
+                <a:latin typeface="Helvetica" charset="0"/>
+                <a:cs typeface="Helvetica" charset="0"/>
+              </a:rPr>
+              <a:t> </a:t>
+            </a:r>
+            <a:r>
+              <a:rPr lang="pt-BR" sz="2800" dirty="0" err="1">
+                <a:solidFill>
+                  <a:srgbClr val="000000"/>
+                </a:solidFill>
+                <a:latin typeface="Helvetica" charset="0"/>
+                <a:cs typeface="Helvetica" charset="0"/>
+              </a:rPr>
+              <a:t>Maker</a:t>
+            </a:r>
+            <a:r>
+              <a:rPr lang="pt-BR" sz="2800" dirty="0">
+                <a:solidFill>
+                  <a:srgbClr val="000000"/>
+                </a:solidFill>
+                <a:latin typeface="Helvetica" charset="0"/>
+                <a:cs typeface="Helvetica" charset="0"/>
+              </a:rPr>
+              <a:t>, </a:t>
+            </a:r>
+            <a:r>
+              <a:rPr lang="pt-BR" sz="2800" dirty="0" err="1">
+                <a:solidFill>
+                  <a:srgbClr val="000000"/>
+                </a:solidFill>
+                <a:latin typeface="Helvetica" charset="0"/>
+                <a:cs typeface="Helvetica" charset="0"/>
+              </a:rPr>
+              <a:t>DepositPhotos</a:t>
+            </a:r>
+            <a:r>
+              <a:rPr lang="pt-BR" sz="2800" dirty="0">
+                <a:solidFill>
+                  <a:srgbClr val="000000"/>
+                </a:solidFill>
+                <a:latin typeface="Helvetica" charset="0"/>
+                <a:cs typeface="Helvetica" charset="0"/>
+              </a:rPr>
+              <a:t>.</a:t>
+            </a:r>
+          </a:p>
+          <a:p>
+            <a:pPr>
+              <a:lnSpc>
+                <a:spcPct val="150000"/>
+              </a:lnSpc>
+              <a:buClr>
+                <a:srgbClr val="000000"/>
+              </a:buClr>
+              <a:buSzPct val="100000"/>
+              <a:buFont typeface="Verdana" charset="0"/>
+              <a:buNone/>
+            </a:pPr>
+            <a:r>
+              <a:rPr lang="pt-BR" sz="2800" b="1" dirty="0">
+                <a:solidFill>
+                  <a:srgbClr val="000000"/>
+                </a:solidFill>
+                <a:latin typeface="Helvetica" charset="0"/>
+                <a:cs typeface="Helvetica" charset="0"/>
+              </a:rPr>
+              <a:t>Auxílio: </a:t>
+            </a:r>
+            <a:r>
+              <a:rPr lang="pt-BR" sz="2800" dirty="0" err="1">
+                <a:solidFill>
+                  <a:srgbClr val="000000"/>
+                </a:solidFill>
+                <a:latin typeface="Helvetica" charset="0"/>
+                <a:cs typeface="Helvetica" charset="0"/>
+              </a:rPr>
+              <a:t>Digitalwizardry</a:t>
+            </a:r>
+            <a:r>
+              <a:rPr lang="pt-BR" sz="2800" dirty="0">
+                <a:solidFill>
+                  <a:srgbClr val="000000"/>
+                </a:solidFill>
+                <a:latin typeface="Helvetica" charset="0"/>
+                <a:cs typeface="Helvetica" charset="0"/>
+              </a:rPr>
+              <a:t>, </a:t>
+            </a:r>
+            <a:r>
+              <a:rPr lang="pt-BR" sz="2800" dirty="0" err="1">
+                <a:solidFill>
+                  <a:srgbClr val="000000"/>
+                </a:solidFill>
+                <a:latin typeface="Helvetica" charset="0"/>
+                <a:cs typeface="Helvetica" charset="0"/>
+              </a:rPr>
+              <a:t>Xefer</a:t>
+            </a:r>
+            <a:r>
+              <a:rPr lang="pt-BR" sz="2800" dirty="0">
+                <a:solidFill>
+                  <a:srgbClr val="000000"/>
+                </a:solidFill>
+                <a:latin typeface="Helvetica" charset="0"/>
+                <a:cs typeface="Helvetica" charset="0"/>
+              </a:rPr>
+              <a:t> </a:t>
+            </a:r>
+            <a:r>
+              <a:rPr lang="pt-BR" sz="2800" dirty="0" err="1">
+                <a:solidFill>
+                  <a:srgbClr val="000000"/>
+                </a:solidFill>
+                <a:latin typeface="Helvetica" charset="0"/>
+                <a:cs typeface="Helvetica" charset="0"/>
+              </a:rPr>
+              <a:t>MazeGenerator</a:t>
+            </a:r>
+            <a:r>
+              <a:rPr lang="pt-BR" sz="2800" dirty="0">
+                <a:solidFill>
+                  <a:srgbClr val="000000"/>
+                </a:solidFill>
+                <a:latin typeface="Helvetica" charset="0"/>
+                <a:cs typeface="Helvetica" charset="0"/>
+              </a:rPr>
+              <a:t>, </a:t>
+            </a:r>
+            <a:r>
+              <a:rPr lang="pt-BR" sz="2800" dirty="0" err="1">
+                <a:solidFill>
+                  <a:srgbClr val="000000"/>
+                </a:solidFill>
+                <a:latin typeface="Helvetica" charset="0"/>
+                <a:cs typeface="Helvetica" charset="0"/>
+              </a:rPr>
+              <a:t>Codepen</a:t>
+            </a:r>
+            <a:r>
+              <a:rPr lang="pt-BR" sz="2800" dirty="0">
+                <a:solidFill>
+                  <a:srgbClr val="000000"/>
+                </a:solidFill>
+                <a:latin typeface="Helvetica" charset="0"/>
+                <a:cs typeface="Helvetica" charset="0"/>
+              </a:rPr>
+              <a:t> </a:t>
+            </a:r>
+            <a:r>
+              <a:rPr lang="pt-BR" sz="2800" dirty="0" err="1">
+                <a:solidFill>
+                  <a:srgbClr val="000000"/>
+                </a:solidFill>
+                <a:latin typeface="Helvetica" charset="0"/>
+                <a:cs typeface="Helvetica" charset="0"/>
+              </a:rPr>
+              <a:t>GabbeV</a:t>
+            </a:r>
+            <a:r>
+              <a:rPr lang="pt-BR" sz="2800" dirty="0">
+                <a:solidFill>
+                  <a:srgbClr val="000000"/>
+                </a:solidFill>
+                <a:latin typeface="Helvetica" charset="0"/>
+                <a:cs typeface="Helvetica" charset="0"/>
+              </a:rPr>
+              <a:t>, </a:t>
+            </a:r>
+            <a:r>
+              <a:rPr lang="pt-BR" sz="2800" dirty="0" err="1">
+                <a:solidFill>
+                  <a:srgbClr val="000000"/>
+                </a:solidFill>
+                <a:latin typeface="Helvetica" charset="0"/>
+                <a:cs typeface="Helvetica" charset="0"/>
+              </a:rPr>
+              <a:t>NuclearSandwich</a:t>
+            </a:r>
+            <a:r>
+              <a:rPr lang="pt-BR" sz="2800" dirty="0">
+                <a:solidFill>
+                  <a:srgbClr val="000000"/>
+                </a:solidFill>
+                <a:latin typeface="Helvetica" charset="0"/>
+                <a:cs typeface="Helvetica" charset="0"/>
+              </a:rPr>
+              <a:t> </a:t>
+            </a:r>
+            <a:r>
+              <a:rPr lang="pt-BR" sz="2800" dirty="0" err="1">
+                <a:solidFill>
+                  <a:srgbClr val="000000"/>
+                </a:solidFill>
+                <a:latin typeface="Helvetica" charset="0"/>
+                <a:cs typeface="Helvetica" charset="0"/>
+              </a:rPr>
+              <a:t>SpeedMaze</a:t>
+            </a:r>
+            <a:r>
+              <a:rPr lang="pt-BR" sz="2800" dirty="0">
+                <a:solidFill>
+                  <a:srgbClr val="000000"/>
+                </a:solidFill>
+                <a:latin typeface="Helvetica" charset="0"/>
+                <a:cs typeface="Helvetica" charset="0"/>
+              </a:rPr>
+              <a:t>.</a:t>
             </a:r>
           </a:p>
         </p:txBody>
@@ -8003,7 +8416,7 @@
                 <a:latin typeface="Helvetica" charset="0"/>
                 <a:cs typeface="Helvetica" charset="0"/>
               </a:rPr>
-              <a:t>A base de inspiração foi em jogos </a:t>
+              <a:t>A base para inspiração deu-se através de jogos </a:t>
             </a:r>
             <a:r>
               <a:rPr lang="pt-BR" sz="2800" i="1" dirty="0">
@@ -8043,7 +8456,7 @@
                 <a:latin typeface="Helvetica" charset="0"/>
                 <a:cs typeface="Helvetica" charset="0"/>
               </a:rPr>
-              <a:t>, com uma temática de obstáculos como um labirinto e objetivos definidos que devem ser concluídos até que o tempo definido se esgote.</a:t>
+              <a:t>, com uma temática adaptada, obstáculos como um labirinto e objetivos definidos que devem ser concluídos até que o tempo definido se esgote.</a:t>
             </a:r>
           </a:p>
           <a:p>
@@ -8086,7 +8499,7 @@
                 <a:latin typeface="Helvetica" charset="0"/>
                 <a:cs typeface="Helvetica" charset="0"/>
               </a:rPr>
-              <a:t>O principal desafio foi na maneira de representar o labirinto dentro do jogo. A primeira versão deu-se através de obstáculos com corpo físico aplicado, porém não provou-se escalável. A modelagem escolhida foi através de matrizes, utilizando-se de valores binários (0 ou 1) para definir pontos de obstáculo e pontos de caminho. Mediante cálculos matemáticos simples, calcula-se a posição do jogador e verifica a instrução dada pelo controle para saber se é possível movimentar-se para o ponto desejado.</a:t>
+              <a:t>O principal desafio foi na maneira de representar o labirinto dentro do código. A primeira versão deu-se através de obstáculos com aplicação de um corpo físico em cada parede do labirinto, porém não provou-se escalável. A modelagem, então, escolhida foi através de matrizes, utilizando-se de valores binários (0 ou 1) para definir “pontos de obstáculo” e “pontos de caminho”. Mediante cálculos matemáticos simples, calcula-se a posição do jogador e verifica-se a instrução dada para saber se é possível movimentar-se para o ponto desejado.</a:t>
             </a:r>
           </a:p>
           <a:p>
@@ -8176,6 +8589,26 @@
                 <a:cs typeface="Helvetica" charset="0"/>
               </a:rPr>
               <a:t>Git</a:t>
+            </a:r>
+            <a:r>
+              <a:rPr lang="pt-BR" sz="2800" dirty="0">
+                <a:solidFill>
+                  <a:srgbClr val="000000"/>
+                </a:solidFill>
+                <a:latin typeface="Helvetica" charset="0"/>
+                <a:cs typeface="Helvetica" charset="0"/>
+              </a:rPr>
+              <a:t>. Como ferramentas de auxílio no design, foram utilizadas: o Adobe Photoshop e o Adobe </a:t>
+            </a:r>
+            <a:r>
+              <a:rPr lang="pt-BR" sz="2800" dirty="0" err="1">
+                <a:solidFill>
+                  <a:srgbClr val="000000"/>
+                </a:solidFill>
+                <a:latin typeface="Helvetica" charset="0"/>
+                <a:cs typeface="Helvetica" charset="0"/>
+              </a:rPr>
+              <a:t>Illustrator</a:t>
             </a:r>
             <a:r>
               <a:rPr lang="pt-BR" sz="2800" dirty="0">
@@ -8272,7 +8705,7 @@
         </p:blipFill>
         <p:spPr>
           <a:xfrm>
-            <a:off x="4812442" y="25027303"/>
+            <a:off x="4526074" y="25027302"/>
             <a:ext cx="3525676" cy="5460100"/>
           </a:xfrm>
           <a:prstGeom prst="rect">
@@ -8302,7 +8735,7 @@
         </p:blipFill>
         <p:spPr>
           <a:xfrm>
-            <a:off x="8998482" y="25031087"/>
+            <a:off x="8581717" y="24998562"/>
             <a:ext cx="3500938" cy="5460100"/>
           </a:xfrm>
           <a:prstGeom prst="rect">

--- a/Poster.pptx
+++ b/Poster.pptx
@@ -553,10 +553,10 @@
           </a:ln>
           <a:extLst>
             <a:ext uri="{FAA26D3D-D897-4be2-8F04-BA451C77F1D7}">
-              <ma14:placeholderFlag xmlns="" xmlns:ma14="http://schemas.microsoft.com/office/mac/drawingml/2011/main" val="1"/>
+              <ma14:placeholderFlag xmlns:ma14="http://schemas.microsoft.com/office/mac/drawingml/2011/main" xmlns="" val="1"/>
             </a:ext>
             <a:ext uri="{909E8E84-426E-40dd-AFC4-6F175D3DCCD1}">
-              <a14:hiddenFill xmlns="" xmlns:a14="http://schemas.microsoft.com/office/drawing/2010/main">
+              <a14:hiddenFill xmlns:a14="http://schemas.microsoft.com/office/drawing/2010/main" xmlns="">
                 <a:solidFill>
                   <a:srgbClr val="FFFFFF"/>
                 </a:solidFill>
@@ -904,14 +904,14 @@
           <a:ln/>
           <a:extLst>
             <a:ext uri="{909E8E84-426E-40dd-AFC4-6F175D3DCCD1}">
-              <a14:hiddenFill xmlns="" xmlns:a14="http://schemas.microsoft.com/office/drawing/2010/main">
+              <a14:hiddenFill xmlns:a14="http://schemas.microsoft.com/office/drawing/2010/main" xmlns="">
                 <a:solidFill>
                   <a:srgbClr val="FFFFFF"/>
                 </a:solidFill>
               </a14:hiddenFill>
             </a:ext>
             <a:ext uri="{91240B29-F687-4f45-9708-019B960494DF}">
-              <a14:hiddenLine xmlns="" xmlns:a14="http://schemas.microsoft.com/office/drawing/2010/main" w="9525">
+              <a14:hiddenLine xmlns:a14="http://schemas.microsoft.com/office/drawing/2010/main" xmlns="" w="9525">
                 <a:solidFill>
                   <a:srgbClr val="000000"/>
                 </a:solidFill>
@@ -1072,17 +1072,17 @@
           <a:ln/>
           <a:extLst>
             <a:ext uri="{FAA26D3D-D897-4be2-8F04-BA451C77F1D7}">
-              <ma14:placeholderFlag xmlns="" xmlns:ma14="http://schemas.microsoft.com/office/mac/drawingml/2011/main" val="1"/>
+              <ma14:placeholderFlag xmlns:ma14="http://schemas.microsoft.com/office/mac/drawingml/2011/main" xmlns="" val="1"/>
             </a:ext>
             <a:ext uri="{909E8E84-426E-40dd-AFC4-6F175D3DCCD1}">
-              <a14:hiddenFill xmlns="" xmlns:a14="http://schemas.microsoft.com/office/drawing/2010/main">
+              <a14:hiddenFill xmlns:a14="http://schemas.microsoft.com/office/drawing/2010/main" xmlns="">
                 <a:solidFill>
                   <a:srgbClr val="FFFFFF"/>
                 </a:solidFill>
               </a14:hiddenFill>
             </a:ext>
             <a:ext uri="{91240B29-F687-4f45-9708-019B960494DF}">
-              <a14:hiddenLine xmlns="" xmlns:a14="http://schemas.microsoft.com/office/drawing/2010/main" w="9525">
+              <a14:hiddenLine xmlns:a14="http://schemas.microsoft.com/office/drawing/2010/main" xmlns="" w="9525">
                 <a:solidFill>
                   <a:srgbClr val="000000"/>
                 </a:solidFill>
@@ -1142,14 +1142,14 @@
           <a:ln/>
           <a:extLst>
             <a:ext uri="{909E8E84-426E-40dd-AFC4-6F175D3DCCD1}">
-              <a14:hiddenFill xmlns="" xmlns:a14="http://schemas.microsoft.com/office/drawing/2010/main">
+              <a14:hiddenFill xmlns:a14="http://schemas.microsoft.com/office/drawing/2010/main" xmlns="">
                 <a:solidFill>
                   <a:srgbClr val="FFFFFF"/>
                 </a:solidFill>
               </a14:hiddenFill>
             </a:ext>
             <a:ext uri="{91240B29-F687-4f45-9708-019B960494DF}">
-              <a14:hiddenLine xmlns="" xmlns:a14="http://schemas.microsoft.com/office/drawing/2010/main" w="9525">
+              <a14:hiddenLine xmlns:a14="http://schemas.microsoft.com/office/drawing/2010/main" xmlns="" w="9525">
                 <a:solidFill>
                   <a:srgbClr val="000000"/>
                 </a:solidFill>
@@ -1310,17 +1310,17 @@
           <a:ln/>
           <a:extLst>
             <a:ext uri="{FAA26D3D-D897-4be2-8F04-BA451C77F1D7}">
-              <ma14:placeholderFlag xmlns="" xmlns:ma14="http://schemas.microsoft.com/office/mac/drawingml/2011/main" val="1"/>
+              <ma14:placeholderFlag xmlns:ma14="http://schemas.microsoft.com/office/mac/drawingml/2011/main" xmlns="" val="1"/>
             </a:ext>
             <a:ext uri="{909E8E84-426E-40dd-AFC4-6F175D3DCCD1}">
-              <a14:hiddenFill xmlns="" xmlns:a14="http://schemas.microsoft.com/office/drawing/2010/main">
+              <a14:hiddenFill xmlns:a14="http://schemas.microsoft.com/office/drawing/2010/main" xmlns="">
                 <a:solidFill>
                   <a:srgbClr val="FFFFFF"/>
                 </a:solidFill>
               </a14:hiddenFill>
             </a:ext>
             <a:ext uri="{91240B29-F687-4f45-9708-019B960494DF}">
-              <a14:hiddenLine xmlns="" xmlns:a14="http://schemas.microsoft.com/office/drawing/2010/main" w="9525">
+              <a14:hiddenLine xmlns:a14="http://schemas.microsoft.com/office/drawing/2010/main" xmlns="" w="9525">
                 <a:solidFill>
                   <a:srgbClr val="000000"/>
                 </a:solidFill>
@@ -3993,17 +3993,17 @@
           </a:ln>
           <a:extLst>
             <a:ext uri="{FAA26D3D-D897-4be2-8F04-BA451C77F1D7}">
-              <ma14:placeholderFlag xmlns="" xmlns:ma14="http://schemas.microsoft.com/office/mac/drawingml/2011/main" val="1"/>
+              <ma14:placeholderFlag xmlns:ma14="http://schemas.microsoft.com/office/mac/drawingml/2011/main" xmlns="" val="1"/>
             </a:ext>
             <a:ext uri="{909E8E84-426E-40dd-AFC4-6F175D3DCCD1}">
-              <a14:hiddenFill xmlns="" xmlns:a14="http://schemas.microsoft.com/office/drawing/2010/main">
+              <a14:hiddenFill xmlns:a14="http://schemas.microsoft.com/office/drawing/2010/main" xmlns="">
                 <a:solidFill>
                   <a:srgbClr val="FFFFFF"/>
                 </a:solidFill>
               </a14:hiddenFill>
             </a:ext>
             <a:ext uri="{91240B29-F687-4f45-9708-019B960494DF}">
-              <a14:hiddenLine xmlns="" xmlns:a14="http://schemas.microsoft.com/office/drawing/2010/main" w="9525">
+              <a14:hiddenLine xmlns:a14="http://schemas.microsoft.com/office/drawing/2010/main" xmlns="" w="9525">
                 <a:solidFill>
                   <a:srgbClr val="000000"/>
                 </a:solidFill>
@@ -4054,17 +4054,17 @@
           </a:ln>
           <a:extLst>
             <a:ext uri="{FAA26D3D-D897-4be2-8F04-BA451C77F1D7}">
-              <ma14:placeholderFlag xmlns="" xmlns:ma14="http://schemas.microsoft.com/office/mac/drawingml/2011/main" val="1"/>
+              <ma14:placeholderFlag xmlns:ma14="http://schemas.microsoft.com/office/mac/drawingml/2011/main" xmlns="" val="1"/>
             </a:ext>
             <a:ext uri="{909E8E84-426E-40dd-AFC4-6F175D3DCCD1}">
-              <a14:hiddenFill xmlns="" xmlns:a14="http://schemas.microsoft.com/office/drawing/2010/main">
+              <a14:hiddenFill xmlns:a14="http://schemas.microsoft.com/office/drawing/2010/main" xmlns="">
                 <a:solidFill>
                   <a:srgbClr val="FFFFFF"/>
                 </a:solidFill>
               </a14:hiddenFill>
             </a:ext>
             <a:ext uri="{91240B29-F687-4f45-9708-019B960494DF}">
-              <a14:hiddenLine xmlns="" xmlns:a14="http://schemas.microsoft.com/office/drawing/2010/main" w="9525">
+              <a14:hiddenLine xmlns:a14="http://schemas.microsoft.com/office/drawing/2010/main" xmlns="" w="9525">
                 <a:solidFill>
                   <a:srgbClr val="000000"/>
                 </a:solidFill>
@@ -4779,14 +4779,14 @@
           </a:ln>
           <a:extLst>
             <a:ext uri="{909E8E84-426E-40dd-AFC4-6F175D3DCCD1}">
-              <a14:hiddenFill xmlns="" xmlns:a14="http://schemas.microsoft.com/office/drawing/2010/main">
+              <a14:hiddenFill xmlns:a14="http://schemas.microsoft.com/office/drawing/2010/main" xmlns="">
                 <a:solidFill>
                   <a:srgbClr val="FFFFFF"/>
                 </a:solidFill>
               </a14:hiddenFill>
             </a:ext>
             <a:ext uri="{91240B29-F687-4f45-9708-019B960494DF}">
-              <a14:hiddenLine xmlns="" xmlns:a14="http://schemas.microsoft.com/office/drawing/2010/main" w="9525">
+              <a14:hiddenLine xmlns:a14="http://schemas.microsoft.com/office/drawing/2010/main" xmlns="" w="9525">
                 <a:solidFill>
                   <a:srgbClr val="000000"/>
                 </a:solidFill>
@@ -5249,7 +5249,7 @@
         <p:spPr bwMode="auto">
           <a:xfrm>
             <a:off x="522363" y="10677628"/>
-            <a:ext cx="13627100" cy="6264275"/>
+            <a:ext cx="13627100" cy="6506131"/>
           </a:xfrm>
           <a:prstGeom prst="rect">
             <a:avLst/>
@@ -5260,14 +5260,14 @@
           </a:ln>
           <a:extLst>
             <a:ext uri="{909E8E84-426E-40dd-AFC4-6F175D3DCCD1}">
-              <a14:hiddenFill xmlns="" xmlns:a14="http://schemas.microsoft.com/office/drawing/2010/main">
+              <a14:hiddenFill xmlns:a14="http://schemas.microsoft.com/office/drawing/2010/main" xmlns="">
                 <a:solidFill>
                   <a:srgbClr val="FFFFFF"/>
                 </a:solidFill>
               </a14:hiddenFill>
             </a:ext>
             <a:ext uri="{91240B29-F687-4f45-9708-019B960494DF}">
-              <a14:hiddenLine xmlns="" xmlns:a14="http://schemas.microsoft.com/office/drawing/2010/main" w="9525">
+              <a14:hiddenLine xmlns:a14="http://schemas.microsoft.com/office/drawing/2010/main" xmlns="" w="9525">
                 <a:solidFill>
                   <a:srgbClr val="000000"/>
                 </a:solidFill>
@@ -5474,7 +5474,90 @@
                 <a:latin typeface="Helvetica" charset="0"/>
                 <a:cs typeface="Helvetica" charset="0"/>
               </a:rPr>
-              <a:t> é um jogo de labirinto, de gênero Livre, que desenvolve-se no cenário seguinte cenário: Mr. Mouse é um singelo ratinho que está em busca de encontrar o seu queijo na imensidão de uma cozinha, que parece mais um labirinto. Para isso, ele deverá contar com a sua agilidade e destreza para encontrar as chaves e abrir os cadeados das despensas, fazendo tudo no menor tempo possível para não ser pego.</a:t>
+              <a:t> é um jogo de labirinto, de gênero livre, que desenvolve-se no seguinte cenário: Mr. Mouse é um singelo ratinho que está em busca de encontrar o seu queijo na imensidão de uma cozinha, que parece mais um labirinto. Para isso, ele deverá contar com a sua agilidade e destreza para encontrar as chaves e abrir os cadeados das despensas, fazendo tudo no menor tempo possível para não ser pego.</a:t>
+            </a:r>
+          </a:p>
+          <a:p>
+            <a:pPr algn="just">
+              <a:lnSpc>
+                <a:spcPct val="150000"/>
+              </a:lnSpc>
+              <a:buClr>
+                <a:srgbClr val="000000"/>
+              </a:buClr>
+              <a:buSzPct val="100000"/>
+              <a:buFont typeface="Verdana" charset="0"/>
+              <a:buNone/>
+            </a:pPr>
+            <a:endParaRPr lang="pt-BR" sz="2800" dirty="0">
+              <a:solidFill>
+                <a:srgbClr val="000000"/>
+              </a:solidFill>
+              <a:latin typeface="Helvetica" charset="0"/>
+              <a:cs typeface="Helvetica" charset="0"/>
+            </a:endParaRPr>
+          </a:p>
+          <a:p>
+            <a:pPr algn="just">
+              <a:lnSpc>
+                <a:spcPct val="150000"/>
+              </a:lnSpc>
+              <a:buClr>
+                <a:srgbClr val="000000"/>
+              </a:buClr>
+              <a:buSzPct val="100000"/>
+              <a:buFont typeface="Verdana" charset="0"/>
+              <a:buNone/>
+            </a:pPr>
+            <a:r>
+              <a:rPr lang="pt-BR" sz="2800" dirty="0">
+                <a:solidFill>
+                  <a:srgbClr val="000000"/>
+                </a:solidFill>
+                <a:latin typeface="Helvetica" charset="0"/>
+                <a:cs typeface="Helvetica" charset="0"/>
+              </a:rPr>
+              <a:t>A base para inspiração deu-se através de jogos </a:t>
+            </a:r>
+            <a:r>
+              <a:rPr lang="pt-BR" sz="2800" i="1" dirty="0">
+                <a:solidFill>
+                  <a:srgbClr val="000000"/>
+                </a:solidFill>
+                <a:latin typeface="Helvetica" charset="0"/>
+                <a:cs typeface="Helvetica" charset="0"/>
+              </a:rPr>
+              <a:t>Arcade</a:t>
+            </a:r>
+            <a:r>
+              <a:rPr lang="pt-BR" sz="2800" dirty="0">
+                <a:solidFill>
+                  <a:srgbClr val="000000"/>
+                </a:solidFill>
+                <a:latin typeface="Helvetica" charset="0"/>
+                <a:cs typeface="Helvetica" charset="0"/>
+              </a:rPr>
+              <a:t>, como o </a:t>
+            </a:r>
+            <a:r>
+              <a:rPr lang="pt-BR" sz="2800" dirty="0" err="1">
+                <a:solidFill>
+                  <a:srgbClr val="000000"/>
+                </a:solidFill>
+                <a:latin typeface="Helvetica" charset="0"/>
+                <a:cs typeface="Helvetica" charset="0"/>
+              </a:rPr>
+              <a:t>Pacman</a:t>
+            </a:r>
+            <a:r>
+              <a:rPr lang="pt-BR" sz="2800" dirty="0">
+                <a:solidFill>
+                  <a:srgbClr val="000000"/>
+                </a:solidFill>
+                <a:latin typeface="Helvetica" charset="0"/>
+                <a:cs typeface="Helvetica" charset="0"/>
+              </a:rPr>
+              <a:t>, com uma temática adaptada, em que há como obstáculo um labirinto e há objetivos definidos que devem ser concluídos até que o tempo definido se esgote.</a:t>
             </a:r>
           </a:p>
         </p:txBody>
@@ -5501,14 +5584,14 @@
           </a:ln>
           <a:extLst>
             <a:ext uri="{909E8E84-426E-40dd-AFC4-6F175D3DCCD1}">
-              <a14:hiddenFill xmlns="" xmlns:a14="http://schemas.microsoft.com/office/drawing/2010/main">
+              <a14:hiddenFill xmlns:a14="http://schemas.microsoft.com/office/drawing/2010/main" xmlns="">
                 <a:solidFill>
                   <a:srgbClr val="FFFFFF"/>
                 </a:solidFill>
               </a14:hiddenFill>
             </a:ext>
             <a:ext uri="{91240B29-F687-4f45-9708-019B960494DF}">
-              <a14:hiddenLine xmlns="" xmlns:a14="http://schemas.microsoft.com/office/drawing/2010/main" w="9525">
+              <a14:hiddenLine xmlns:a14="http://schemas.microsoft.com/office/drawing/2010/main" xmlns="" w="9525">
                 <a:solidFill>
                   <a:srgbClr val="000000"/>
                 </a:solidFill>
@@ -5804,14 +5887,14 @@
           </a:ln>
           <a:extLst>
             <a:ext uri="{909E8E84-426E-40dd-AFC4-6F175D3DCCD1}">
-              <a14:hiddenFill xmlns="" xmlns:a14="http://schemas.microsoft.com/office/drawing/2010/main">
+              <a14:hiddenFill xmlns:a14="http://schemas.microsoft.com/office/drawing/2010/main" xmlns="">
                 <a:solidFill>
                   <a:srgbClr val="FFFFFF"/>
                 </a:solidFill>
               </a14:hiddenFill>
             </a:ext>
             <a:ext uri="{91240B29-F687-4f45-9708-019B960494DF}">
-              <a14:hiddenLine xmlns="" xmlns:a14="http://schemas.microsoft.com/office/drawing/2010/main" w="9525">
+              <a14:hiddenLine xmlns:a14="http://schemas.microsoft.com/office/drawing/2010/main" xmlns="" w="9525">
                 <a:solidFill>
                   <a:srgbClr val="000000"/>
                 </a:solidFill>
@@ -6107,14 +6190,14 @@
           </a:ln>
           <a:extLst>
             <a:ext uri="{909E8E84-426E-40dd-AFC4-6F175D3DCCD1}">
-              <a14:hiddenFill xmlns="" xmlns:a14="http://schemas.microsoft.com/office/drawing/2010/main">
+              <a14:hiddenFill xmlns:a14="http://schemas.microsoft.com/office/drawing/2010/main" xmlns="">
                 <a:solidFill>
                   <a:srgbClr val="FFFFFF"/>
                 </a:solidFill>
               </a14:hiddenFill>
             </a:ext>
             <a:ext uri="{91240B29-F687-4f45-9708-019B960494DF}">
-              <a14:hiddenLine xmlns="" xmlns:a14="http://schemas.microsoft.com/office/drawing/2010/main" w="9525">
+              <a14:hiddenLine xmlns:a14="http://schemas.microsoft.com/office/drawing/2010/main" xmlns="" w="9525">
                 <a:solidFill>
                   <a:srgbClr val="000000"/>
                 </a:solidFill>
@@ -6291,7 +6374,7 @@
                 <a:latin typeface="Helvetica" charset="0"/>
                 <a:cs typeface="Helvetica" charset="0"/>
               </a:rPr>
-              <a:t>O estado atual já está bem desenvolvido, baseado nas metas definidas no início do projeto. Todas as funcionalidades estão operantes para uma boa </a:t>
+              <a:t>O estado atual do jogo já está bem desenvolvido. Todas as funcionalidades estão operantes para uma boa </a:t>
             </a:r>
             <a:r>
               <a:rPr lang="pt-BR" sz="2800" dirty="0" err="1">
@@ -6311,7 +6394,7 @@
                 <a:latin typeface="Helvetica" charset="0"/>
                 <a:cs typeface="Helvetica" charset="0"/>
               </a:rPr>
-              <a:t>. Algumas mudanças futuras podem ser aplicadas, como adição de novas fases, melhorias na </a:t>
+              <a:t>, como: telas de menu e fim de jogo; representação do labirinto e controles; sons e animações; desafios dentro do jogo. Algumas mudanças futuras podem ser aplicadas, como adição de novas fases, melhorias na </a:t>
             </a:r>
             <a:r>
               <a:rPr lang="pt-BR" sz="2800" i="1" dirty="0">
@@ -6365,14 +6448,14 @@
           </a:ln>
           <a:extLst>
             <a:ext uri="{909E8E84-426E-40dd-AFC4-6F175D3DCCD1}">
-              <a14:hiddenFill xmlns="" xmlns:a14="http://schemas.microsoft.com/office/drawing/2010/main">
+              <a14:hiddenFill xmlns:a14="http://schemas.microsoft.com/office/drawing/2010/main" xmlns="">
                 <a:solidFill>
                   <a:srgbClr val="FFFFFF"/>
                 </a:solidFill>
               </a14:hiddenFill>
             </a:ext>
             <a:ext uri="{91240B29-F687-4f45-9708-019B960494DF}">
-              <a14:hiddenLine xmlns="" xmlns:a14="http://schemas.microsoft.com/office/drawing/2010/main" w="9525">
+              <a14:hiddenLine xmlns:a14="http://schemas.microsoft.com/office/drawing/2010/main" xmlns="" w="9525">
                 <a:solidFill>
                   <a:srgbClr val="000000"/>
                 </a:solidFill>
@@ -6656,7 +6739,7 @@
         </p:nvSpPr>
         <p:spPr bwMode="auto">
           <a:xfrm>
-            <a:off x="664553" y="17155742"/>
+            <a:off x="664553" y="17515782"/>
             <a:ext cx="11974513" cy="648120"/>
           </a:xfrm>
           <a:prstGeom prst="rect">
@@ -6668,14 +6751,14 @@
           </a:ln>
           <a:extLst>
             <a:ext uri="{909E8E84-426E-40dd-AFC4-6F175D3DCCD1}">
-              <a14:hiddenFill xmlns="" xmlns:a14="http://schemas.microsoft.com/office/drawing/2010/main">
+              <a14:hiddenFill xmlns:a14="http://schemas.microsoft.com/office/drawing/2010/main" xmlns="">
                 <a:solidFill>
                   <a:srgbClr val="FFFFFF"/>
                 </a:solidFill>
               </a14:hiddenFill>
             </a:ext>
             <a:ext uri="{91240B29-F687-4f45-9708-019B960494DF}">
-              <a14:hiddenLine xmlns="" xmlns:a14="http://schemas.microsoft.com/office/drawing/2010/main" w="9525">
+              <a14:hiddenLine xmlns:a14="http://schemas.microsoft.com/office/drawing/2010/main" xmlns="" w="9525">
                 <a:solidFill>
                   <a:srgbClr val="000000"/>
                 </a:solidFill>
@@ -6971,14 +7054,14 @@
           </a:ln>
           <a:extLst>
             <a:ext uri="{909E8E84-426E-40dd-AFC4-6F175D3DCCD1}">
-              <a14:hiddenFill xmlns="" xmlns:a14="http://schemas.microsoft.com/office/drawing/2010/main">
+              <a14:hiddenFill xmlns:a14="http://schemas.microsoft.com/office/drawing/2010/main" xmlns="">
                 <a:solidFill>
                   <a:srgbClr val="FFFFFF"/>
                 </a:solidFill>
               </a14:hiddenFill>
             </a:ext>
             <a:ext uri="{91240B29-F687-4f45-9708-019B960494DF}">
-              <a14:hiddenLine xmlns="" xmlns:a14="http://schemas.microsoft.com/office/drawing/2010/main" w="9525">
+              <a14:hiddenLine xmlns:a14="http://schemas.microsoft.com/office/drawing/2010/main" xmlns="" w="9525">
                 <a:solidFill>
                   <a:srgbClr val="000000"/>
                 </a:solidFill>
@@ -7274,14 +7357,14 @@
           </a:ln>
           <a:extLst>
             <a:ext uri="{909E8E84-426E-40dd-AFC4-6F175D3DCCD1}">
-              <a14:hiddenFill xmlns="" xmlns:a14="http://schemas.microsoft.com/office/drawing/2010/main">
+              <a14:hiddenFill xmlns:a14="http://schemas.microsoft.com/office/drawing/2010/main" xmlns="">
                 <a:solidFill>
                   <a:srgbClr val="FFFFFF"/>
                 </a:solidFill>
               </a14:hiddenFill>
             </a:ext>
             <a:ext uri="{91240B29-F687-4f45-9708-019B960494DF}">
-              <a14:hiddenLine xmlns="" xmlns:a14="http://schemas.microsoft.com/office/drawing/2010/main" w="9525">
+              <a14:hiddenLine xmlns:a14="http://schemas.microsoft.com/office/drawing/2010/main" xmlns="" w="9525">
                 <a:solidFill>
                   <a:srgbClr val="000000"/>
                 </a:solidFill>
@@ -7851,14 +7934,14 @@
           </a:ln>
           <a:extLst>
             <a:ext uri="{909E8E84-426E-40dd-AFC4-6F175D3DCCD1}">
-              <a14:hiddenFill xmlns="" xmlns:a14="http://schemas.microsoft.com/office/drawing/2010/main">
+              <a14:hiddenFill xmlns:a14="http://schemas.microsoft.com/office/drawing/2010/main" xmlns="">
                 <a:solidFill>
                   <a:srgbClr val="FFFFFF"/>
                 </a:solidFill>
               </a14:hiddenFill>
             </a:ext>
             <a:ext uri="{91240B29-F687-4f45-9708-019B960494DF}">
-              <a14:hiddenLine xmlns="" xmlns:a14="http://schemas.microsoft.com/office/drawing/2010/main" w="9525">
+              <a14:hiddenLine xmlns:a14="http://schemas.microsoft.com/office/drawing/2010/main" xmlns="" w="9525">
                 <a:solidFill>
                   <a:srgbClr val="000000"/>
                 </a:solidFill>
@@ -8059,14 +8142,14 @@
           </a:ln>
           <a:extLst>
             <a:ext uri="{909E8E84-426E-40dd-AFC4-6F175D3DCCD1}">
-              <a14:hiddenFill xmlns="" xmlns:a14="http://schemas.microsoft.com/office/drawing/2010/main">
+              <a14:hiddenFill xmlns:a14="http://schemas.microsoft.com/office/drawing/2010/main" xmlns="">
                 <a:solidFill>
                   <a:srgbClr val="FFFFFF"/>
                 </a:solidFill>
               </a14:hiddenFill>
             </a:ext>
             <a:ext uri="{91240B29-F687-4f45-9708-019B960494DF}">
-              <a14:hiddenLine xmlns="" xmlns:a14="http://schemas.microsoft.com/office/drawing/2010/main" w="9525">
+              <a14:hiddenLine xmlns:a14="http://schemas.microsoft.com/office/drawing/2010/main" xmlns="" w="9525">
                 <a:solidFill>
                   <a:srgbClr val="000000"/>
                 </a:solidFill>
@@ -8416,90 +8499,7 @@
                 <a:latin typeface="Helvetica" charset="0"/>
                 <a:cs typeface="Helvetica" charset="0"/>
               </a:rPr>
-              <a:t>A base para inspiração deu-se através de jogos </a:t>
-            </a:r>
-            <a:r>
-              <a:rPr lang="pt-BR" sz="2800" i="1" dirty="0">
-                <a:solidFill>
-                  <a:srgbClr val="000000"/>
-                </a:solidFill>
-                <a:latin typeface="Helvetica" charset="0"/>
-                <a:cs typeface="Helvetica" charset="0"/>
-              </a:rPr>
-              <a:t>Arcade</a:t>
-            </a:r>
-            <a:r>
-              <a:rPr lang="pt-BR" sz="2800" dirty="0">
-                <a:solidFill>
-                  <a:srgbClr val="000000"/>
-                </a:solidFill>
-                <a:latin typeface="Helvetica" charset="0"/>
-                <a:cs typeface="Helvetica" charset="0"/>
-              </a:rPr>
-              <a:t>, como o </a:t>
-            </a:r>
-            <a:r>
-              <a:rPr lang="pt-BR" sz="2800" dirty="0" err="1">
-                <a:solidFill>
-                  <a:srgbClr val="000000"/>
-                </a:solidFill>
-                <a:latin typeface="Helvetica" charset="0"/>
-                <a:cs typeface="Helvetica" charset="0"/>
-              </a:rPr>
-              <a:t>Pacman</a:t>
-            </a:r>
-            <a:r>
-              <a:rPr lang="pt-BR" sz="2800" dirty="0">
-                <a:solidFill>
-                  <a:srgbClr val="000000"/>
-                </a:solidFill>
-                <a:latin typeface="Helvetica" charset="0"/>
-                <a:cs typeface="Helvetica" charset="0"/>
-              </a:rPr>
-              <a:t>, com uma temática adaptada, obstáculos como um labirinto e objetivos definidos que devem ser concluídos até que o tempo definido se esgote.</a:t>
-            </a:r>
-          </a:p>
-          <a:p>
-            <a:pPr algn="just">
-              <a:lnSpc>
-                <a:spcPct val="150000"/>
-              </a:lnSpc>
-              <a:buClr>
-                <a:srgbClr val="000000"/>
-              </a:buClr>
-              <a:buSzPct val="100000"/>
-              <a:buFont typeface="Verdana" charset="0"/>
-              <a:buNone/>
-            </a:pPr>
-            <a:endParaRPr lang="pt-BR" sz="2800" dirty="0">
-              <a:solidFill>
-                <a:srgbClr val="000000"/>
-              </a:solidFill>
-              <a:latin typeface="Helvetica" charset="0"/>
-              <a:cs typeface="Helvetica" charset="0"/>
-            </a:endParaRPr>
-          </a:p>
-          <a:p>
-            <a:pPr algn="just">
-              <a:lnSpc>
-                <a:spcPct val="150000"/>
-              </a:lnSpc>
-              <a:buClr>
-                <a:srgbClr val="000000"/>
-              </a:buClr>
-              <a:buSzPct val="100000"/>
-              <a:buFont typeface="Verdana" charset="0"/>
-              <a:buNone/>
-            </a:pPr>
-            <a:r>
-              <a:rPr lang="pt-BR" sz="2800" dirty="0">
-                <a:solidFill>
-                  <a:srgbClr val="000000"/>
-                </a:solidFill>
-                <a:latin typeface="Helvetica" charset="0"/>
-                <a:cs typeface="Helvetica" charset="0"/>
-              </a:rPr>
-              <a:t>O principal desafio foi na maneira de representar o labirinto dentro do código. A primeira versão deu-se através de obstáculos com aplicação de um corpo físico em cada parede do labirinto, porém não provou-se escalável. A modelagem, então, escolhida foi através de matrizes, utilizando-se de valores binários (0 ou 1) para definir “pontos de obstáculo” e “pontos de caminho”. Mediante cálculos matemáticos simples, calcula-se a posição do jogador e verifica-se a instrução dada para saber se é possível movimentar-se para o ponto desejado.</a:t>
+              <a:t>O principal desafio de desenvolvimento foi na maneira de representar o labirinto dentro do código. A primeira versão deu-se através de obstáculos com aplicação de um corpo físico em cada parede do labirinto, porém não provou-se escalável para adição de novas fases. A modelagem, então, escolhida para representação, foi através de matrizes, utilizando-se de valores binários (0 ou 1) para definir “pontos de obstáculo” e “pontos de caminho”. Mediante simples cálculos matemáticos, calcula-se a posição do jogador e verifica-se a instrução dada para saber se é possível movimentar-se para o ponto desejado.</a:t>
             </a:r>
           </a:p>
           <a:p>
@@ -8558,27 +8558,7 @@
                 <a:latin typeface="Helvetica" charset="0"/>
                 <a:cs typeface="Helvetica" charset="0"/>
               </a:rPr>
-              <a:t>, escrevendo o código na linguagem de programação Lua. O editor de código-fonte utilizado foi o Visual Studio </a:t>
-            </a:r>
-            <a:r>
-              <a:rPr lang="pt-BR" sz="2800" dirty="0" err="1">
-                <a:solidFill>
-                  <a:srgbClr val="000000"/>
-                </a:solidFill>
-                <a:latin typeface="Helvetica" charset="0"/>
-                <a:cs typeface="Helvetica" charset="0"/>
-              </a:rPr>
-              <a:t>Code</a:t>
-            </a:r>
-            <a:r>
-              <a:rPr lang="pt-BR" sz="2800" dirty="0">
-                <a:solidFill>
-                  <a:srgbClr val="000000"/>
-                </a:solidFill>
-                <a:latin typeface="Helvetica" charset="0"/>
-                <a:cs typeface="Helvetica" charset="0"/>
-              </a:rPr>
-              <a:t>. Foi-se utilizado para controle de versão, a ferramenta </a:t>
+              <a:t>, escrevendo o código na linguagem de programação Lua. Foi-se utilizado para controle de versão, a ferramenta </a:t>
             </a:r>
             <a:r>
               <a:rPr lang="pt-BR" sz="2800" dirty="0" err="1">
@@ -8625,10 +8605,10 @@
       </p:sp>
       <p:pic>
         <p:nvPicPr>
-          <p:cNvPr id="2" name="Imagem 1">
+          <p:cNvPr id="3" name="Imagem 2">
             <a:extLst>
               <a:ext uri="{FF2B5EF4-FFF2-40B4-BE49-F238E27FC236}">
-                <a16:creationId xmlns:a16="http://schemas.microsoft.com/office/drawing/2014/main" id="{71460467-6D33-4B46-B769-DC6E79F42FAB}"/>
+                <a16:creationId xmlns:a16="http://schemas.microsoft.com/office/drawing/2014/main" id="{86D926CF-C19C-2B44-9DFD-7504F0400F46}"/>
               </a:ext>
             </a:extLst>
           </p:cNvPr>
@@ -8645,38 +8625,8 @@
         </p:blipFill>
         <p:spPr>
           <a:xfrm>
-            <a:off x="534181" y="18324745"/>
-            <a:ext cx="11509462" cy="6092512"/>
-          </a:xfrm>
-          <a:prstGeom prst="rect">
-            <a:avLst/>
-          </a:prstGeom>
-        </p:spPr>
-      </p:pic>
-      <p:pic>
-        <p:nvPicPr>
-          <p:cNvPr id="3" name="Imagem 2">
-            <a:extLst>
-              <a:ext uri="{FF2B5EF4-FFF2-40B4-BE49-F238E27FC236}">
-                <a16:creationId xmlns:a16="http://schemas.microsoft.com/office/drawing/2014/main" id="{86D926CF-C19C-2B44-9DFD-7504F0400F46}"/>
-              </a:ext>
-            </a:extLst>
-          </p:cNvPr>
-          <p:cNvPicPr>
-            <a:picLocks noChangeAspect="1"/>
-          </p:cNvPicPr>
-          <p:nvPr/>
-        </p:nvPicPr>
-        <p:blipFill>
-          <a:blip r:embed="rId4"/>
-          <a:stretch>
-            <a:fillRect/>
-          </a:stretch>
-        </p:blipFill>
-        <p:spPr>
-          <a:xfrm>
-            <a:off x="522363" y="25033063"/>
-            <a:ext cx="3509456" cy="5460100"/>
+            <a:off x="8801278" y="18479523"/>
+            <a:ext cx="3837788" cy="5970927"/>
           </a:xfrm>
           <a:prstGeom prst="rect">
             <a:avLst/>
@@ -8698,15 +8648,15 @@
           <p:nvPr/>
         </p:nvPicPr>
         <p:blipFill>
-          <a:blip r:embed="rId5"/>
+          <a:blip r:embed="rId4"/>
           <a:stretch>
             <a:fillRect/>
           </a:stretch>
         </p:blipFill>
         <p:spPr>
           <a:xfrm>
-            <a:off x="4526074" y="25027302"/>
-            <a:ext cx="3525676" cy="5460100"/>
+            <a:off x="678195" y="18466478"/>
+            <a:ext cx="7743550" cy="11992184"/>
           </a:xfrm>
           <a:prstGeom prst="rect">
             <a:avLst/>
@@ -8728,15 +8678,15 @@
           <p:nvPr/>
         </p:nvPicPr>
         <p:blipFill>
-          <a:blip r:embed="rId6"/>
+          <a:blip r:embed="rId5"/>
           <a:stretch>
             <a:fillRect/>
           </a:stretch>
         </p:blipFill>
         <p:spPr>
           <a:xfrm>
-            <a:off x="8581717" y="24998562"/>
-            <a:ext cx="3500938" cy="5460100"/>
+            <a:off x="8801278" y="24473207"/>
+            <a:ext cx="3837788" cy="5985455"/>
           </a:xfrm>
           <a:prstGeom prst="rect">
             <a:avLst/>
@@ -8758,7 +8708,7 @@
           <p:nvPr/>
         </p:nvPicPr>
         <p:blipFill>
-          <a:blip r:embed="rId7">
+          <a:blip r:embed="rId6">
             <a:extLst>
               <a:ext uri="{28A0092B-C50C-407E-A947-70E740481C1C}">
                 <a14:useLocalDpi xmlns:a14="http://schemas.microsoft.com/office/drawing/2010/main" val="0"/>
@@ -8831,14 +8781,14 @@
           </a:ln>
           <a:extLst>
             <a:ext uri="{909E8E84-426E-40dd-AFC4-6F175D3DCCD1}">
-              <a14:hiddenFill xmlns="" xmlns:a14="http://schemas.microsoft.com/office/drawing/2010/main">
+              <a14:hiddenFill xmlns:a14="http://schemas.microsoft.com/office/drawing/2010/main" xmlns="">
                 <a:solidFill>
                   <a:srgbClr val="FFFFFF"/>
                 </a:solidFill>
               </a14:hiddenFill>
             </a:ext>
             <a:ext uri="{91240B29-F687-4f45-9708-019B960494DF}">
-              <a14:hiddenLine xmlns="" xmlns:a14="http://schemas.microsoft.com/office/drawing/2010/main" w="9525">
+              <a14:hiddenLine xmlns:a14="http://schemas.microsoft.com/office/drawing/2010/main" xmlns="" w="9525">
                 <a:solidFill>
                   <a:srgbClr val="000000"/>
                 </a:solidFill>
@@ -9312,14 +9262,14 @@
           </a:ln>
           <a:extLst>
             <a:ext uri="{909E8E84-426E-40dd-AFC4-6F175D3DCCD1}">
-              <a14:hiddenFill xmlns="" xmlns:a14="http://schemas.microsoft.com/office/drawing/2010/main">
+              <a14:hiddenFill xmlns:a14="http://schemas.microsoft.com/office/drawing/2010/main" xmlns="">
                 <a:solidFill>
                   <a:srgbClr val="FFFFFF"/>
                 </a:solidFill>
               </a14:hiddenFill>
             </a:ext>
             <a:ext uri="{91240B29-F687-4f45-9708-019B960494DF}">
-              <a14:hiddenLine xmlns="" xmlns:a14="http://schemas.microsoft.com/office/drawing/2010/main" w="9525">
+              <a14:hiddenLine xmlns:a14="http://schemas.microsoft.com/office/drawing/2010/main" xmlns="" w="9525">
                 <a:solidFill>
                   <a:srgbClr val="000000"/>
                 </a:solidFill>
@@ -9586,14 +9536,14 @@
           </a:ln>
           <a:extLst>
             <a:ext uri="{909E8E84-426E-40dd-AFC4-6F175D3DCCD1}">
-              <a14:hiddenFill xmlns="" xmlns:a14="http://schemas.microsoft.com/office/drawing/2010/main">
+              <a14:hiddenFill xmlns:a14="http://schemas.microsoft.com/office/drawing/2010/main" xmlns="">
                 <a:solidFill>
                   <a:srgbClr val="FFFFFF"/>
                 </a:solidFill>
               </a14:hiddenFill>
             </a:ext>
             <a:ext uri="{91240B29-F687-4f45-9708-019B960494DF}">
-              <a14:hiddenLine xmlns="" xmlns:a14="http://schemas.microsoft.com/office/drawing/2010/main" w="9525">
+              <a14:hiddenLine xmlns:a14="http://schemas.microsoft.com/office/drawing/2010/main" xmlns="" w="9525">
                 <a:solidFill>
                   <a:srgbClr val="000000"/>
                 </a:solidFill>
@@ -9889,14 +9839,14 @@
           </a:ln>
           <a:extLst>
             <a:ext uri="{909E8E84-426E-40dd-AFC4-6F175D3DCCD1}">
-              <a14:hiddenFill xmlns="" xmlns:a14="http://schemas.microsoft.com/office/drawing/2010/main">
+              <a14:hiddenFill xmlns:a14="http://schemas.microsoft.com/office/drawing/2010/main" xmlns="">
                 <a:solidFill>
                   <a:srgbClr val="FFFFFF"/>
                 </a:solidFill>
               </a14:hiddenFill>
             </a:ext>
             <a:ext uri="{91240B29-F687-4f45-9708-019B960494DF}">
-              <a14:hiddenLine xmlns="" xmlns:a14="http://schemas.microsoft.com/office/drawing/2010/main" w="9525">
+              <a14:hiddenLine xmlns:a14="http://schemas.microsoft.com/office/drawing/2010/main" xmlns="" w="9525">
                 <a:solidFill>
                   <a:srgbClr val="000000"/>
                 </a:solidFill>
@@ -10206,14 +10156,14 @@
           </a:ln>
           <a:extLst>
             <a:ext uri="{909E8E84-426E-40dd-AFC4-6F175D3DCCD1}">
-              <a14:hiddenFill xmlns="" xmlns:a14="http://schemas.microsoft.com/office/drawing/2010/main">
+              <a14:hiddenFill xmlns:a14="http://schemas.microsoft.com/office/drawing/2010/main" xmlns="">
                 <a:solidFill>
                   <a:srgbClr val="FFFFFF"/>
                 </a:solidFill>
               </a14:hiddenFill>
             </a:ext>
             <a:ext uri="{91240B29-F687-4f45-9708-019B960494DF}">
-              <a14:hiddenLine xmlns="" xmlns:a14="http://schemas.microsoft.com/office/drawing/2010/main" w="9525">
+              <a14:hiddenLine xmlns:a14="http://schemas.microsoft.com/office/drawing/2010/main" xmlns="" w="9525">
                 <a:solidFill>
                   <a:srgbClr val="000000"/>
                 </a:solidFill>
@@ -10509,14 +10459,14 @@
           </a:ln>
           <a:extLst>
             <a:ext uri="{909E8E84-426E-40dd-AFC4-6F175D3DCCD1}">
-              <a14:hiddenFill xmlns="" xmlns:a14="http://schemas.microsoft.com/office/drawing/2010/main">
+              <a14:hiddenFill xmlns:a14="http://schemas.microsoft.com/office/drawing/2010/main" xmlns="">
                 <a:solidFill>
                   <a:srgbClr val="FFFFFF"/>
                 </a:solidFill>
               </a14:hiddenFill>
             </a:ext>
             <a:ext uri="{91240B29-F687-4f45-9708-019B960494DF}">
-              <a14:hiddenLine xmlns="" xmlns:a14="http://schemas.microsoft.com/office/drawing/2010/main" w="9525">
+              <a14:hiddenLine xmlns:a14="http://schemas.microsoft.com/office/drawing/2010/main" xmlns="" w="9525">
                 <a:solidFill>
                   <a:srgbClr val="000000"/>
                 </a:solidFill>
@@ -10720,14 +10670,14 @@
           </a:ln>
           <a:extLst>
             <a:ext uri="{909E8E84-426E-40dd-AFC4-6F175D3DCCD1}">
-              <a14:hiddenFill xmlns="" xmlns:a14="http://schemas.microsoft.com/office/drawing/2010/main">
+              <a14:hiddenFill xmlns:a14="http://schemas.microsoft.com/office/drawing/2010/main" xmlns="">
                 <a:solidFill>
                   <a:srgbClr val="FFFFFF"/>
                 </a:solidFill>
               </a14:hiddenFill>
             </a:ext>
             <a:ext uri="{91240B29-F687-4f45-9708-019B960494DF}">
-              <a14:hiddenLine xmlns="" xmlns:a14="http://schemas.microsoft.com/office/drawing/2010/main" w="9525">
+              <a14:hiddenLine xmlns:a14="http://schemas.microsoft.com/office/drawing/2010/main" xmlns="" w="9525">
                 <a:solidFill>
                   <a:srgbClr val="000000"/>
                 </a:solidFill>
@@ -11023,14 +10973,14 @@
           </a:ln>
           <a:extLst>
             <a:ext uri="{909E8E84-426E-40dd-AFC4-6F175D3DCCD1}">
-              <a14:hiddenFill xmlns="" xmlns:a14="http://schemas.microsoft.com/office/drawing/2010/main">
+              <a14:hiddenFill xmlns:a14="http://schemas.microsoft.com/office/drawing/2010/main" xmlns="">
                 <a:solidFill>
                   <a:srgbClr val="FFFFFF"/>
                 </a:solidFill>
               </a14:hiddenFill>
             </a:ext>
             <a:ext uri="{91240B29-F687-4f45-9708-019B960494DF}">
-              <a14:hiddenLine xmlns="" xmlns:a14="http://schemas.microsoft.com/office/drawing/2010/main" w="9525">
+              <a14:hiddenLine xmlns:a14="http://schemas.microsoft.com/office/drawing/2010/main" xmlns="" w="9525">
                 <a:solidFill>
                   <a:srgbClr val="000000"/>
                 </a:solidFill>
@@ -11326,14 +11276,14 @@
           </a:ln>
           <a:extLst>
             <a:ext uri="{909E8E84-426E-40dd-AFC4-6F175D3DCCD1}">
-              <a14:hiddenFill xmlns="" xmlns:a14="http://schemas.microsoft.com/office/drawing/2010/main">
+              <a14:hiddenFill xmlns:a14="http://schemas.microsoft.com/office/drawing/2010/main" xmlns="">
                 <a:solidFill>
                   <a:srgbClr val="FFFFFF"/>
                 </a:solidFill>
               </a14:hiddenFill>
             </a:ext>
             <a:ext uri="{91240B29-F687-4f45-9708-019B960494DF}">
-              <a14:hiddenLine xmlns="" xmlns:a14="http://schemas.microsoft.com/office/drawing/2010/main" w="9525">
+              <a14:hiddenLine xmlns:a14="http://schemas.microsoft.com/office/drawing/2010/main" xmlns="" w="9525">
                 <a:solidFill>
                   <a:srgbClr val="000000"/>
                 </a:solidFill>
@@ -11629,14 +11579,14 @@
           </a:ln>
           <a:extLst>
             <a:ext uri="{909E8E84-426E-40dd-AFC4-6F175D3DCCD1}">
-              <a14:hiddenFill xmlns="" xmlns:a14="http://schemas.microsoft.com/office/drawing/2010/main">
+              <a14:hiddenFill xmlns:a14="http://schemas.microsoft.com/office/drawing/2010/main" xmlns="">
                 <a:solidFill>
                   <a:srgbClr val="FFFFFF"/>
                 </a:solidFill>
               </a14:hiddenFill>
             </a:ext>
             <a:ext uri="{91240B29-F687-4f45-9708-019B960494DF}">
-              <a14:hiddenLine xmlns="" xmlns:a14="http://schemas.microsoft.com/office/drawing/2010/main" w="9525">
+              <a14:hiddenLine xmlns:a14="http://schemas.microsoft.com/office/drawing/2010/main" xmlns="" w="9525">
                 <a:solidFill>
                   <a:srgbClr val="000000"/>
                 </a:solidFill>
@@ -11840,14 +11790,14 @@
           </a:ln>
           <a:extLst>
             <a:ext uri="{909E8E84-426E-40dd-AFC4-6F175D3DCCD1}">
-              <a14:hiddenFill xmlns="" xmlns:a14="http://schemas.microsoft.com/office/drawing/2010/main">
+              <a14:hiddenFill xmlns:a14="http://schemas.microsoft.com/office/drawing/2010/main" xmlns="">
                 <a:solidFill>
                   <a:srgbClr val="FFFFFF"/>
                 </a:solidFill>
               </a14:hiddenFill>
             </a:ext>
             <a:ext uri="{91240B29-F687-4f45-9708-019B960494DF}">
-              <a14:hiddenLine xmlns="" xmlns:a14="http://schemas.microsoft.com/office/drawing/2010/main" w="9525">
+              <a14:hiddenLine xmlns:a14="http://schemas.microsoft.com/office/drawing/2010/main" xmlns="" w="9525">
                 <a:solidFill>
                   <a:srgbClr val="000000"/>
                 </a:solidFill>
@@ -12092,14 +12042,14 @@
           </a:ln>
           <a:extLst>
             <a:ext uri="{909E8E84-426E-40dd-AFC4-6F175D3DCCD1}">
-              <a14:hiddenFill xmlns="" xmlns:a14="http://schemas.microsoft.com/office/drawing/2010/main">
+              <a14:hiddenFill xmlns:a14="http://schemas.microsoft.com/office/drawing/2010/main" xmlns="">
                 <a:solidFill>
                   <a:srgbClr val="FFFFFF"/>
                 </a:solidFill>
               </a14:hiddenFill>
             </a:ext>
             <a:ext uri="{91240B29-F687-4f45-9708-019B960494DF}">
-              <a14:hiddenLine xmlns="" xmlns:a14="http://schemas.microsoft.com/office/drawing/2010/main" w="9525">
+              <a14:hiddenLine xmlns:a14="http://schemas.microsoft.com/office/drawing/2010/main" xmlns="" w="9525">
                 <a:solidFill>
                   <a:srgbClr val="000000"/>
                 </a:solidFill>

--- a/Poster.pptx
+++ b/Poster.pptx
@@ -553,10 +553,10 @@
           </a:ln>
           <a:extLst>
             <a:ext uri="{FAA26D3D-D897-4be2-8F04-BA451C77F1D7}">
-              <ma14:placeholderFlag xmlns:ma14="http://schemas.microsoft.com/office/mac/drawingml/2011/main" xmlns="" val="1"/>
+              <ma14:placeholderFlag xmlns="" xmlns:ma14="http://schemas.microsoft.com/office/mac/drawingml/2011/main" val="1"/>
             </a:ext>
             <a:ext uri="{909E8E84-426E-40dd-AFC4-6F175D3DCCD1}">
-              <a14:hiddenFill xmlns:a14="http://schemas.microsoft.com/office/drawing/2010/main" xmlns="">
+              <a14:hiddenFill xmlns="" xmlns:a14="http://schemas.microsoft.com/office/drawing/2010/main">
                 <a:solidFill>
                   <a:srgbClr val="FFFFFF"/>
                 </a:solidFill>
@@ -904,14 +904,14 @@
           <a:ln/>
           <a:extLst>
             <a:ext uri="{909E8E84-426E-40dd-AFC4-6F175D3DCCD1}">
-              <a14:hiddenFill xmlns:a14="http://schemas.microsoft.com/office/drawing/2010/main" xmlns="">
+              <a14:hiddenFill xmlns="" xmlns:a14="http://schemas.microsoft.com/office/drawing/2010/main">
                 <a:solidFill>
                   <a:srgbClr val="FFFFFF"/>
                 </a:solidFill>
               </a14:hiddenFill>
             </a:ext>
             <a:ext uri="{91240B29-F687-4f45-9708-019B960494DF}">
-              <a14:hiddenLine xmlns:a14="http://schemas.microsoft.com/office/drawing/2010/main" xmlns="" w="9525">
+              <a14:hiddenLine xmlns="" xmlns:a14="http://schemas.microsoft.com/office/drawing/2010/main" w="9525">
                 <a:solidFill>
                   <a:srgbClr val="000000"/>
                 </a:solidFill>
@@ -1072,17 +1072,17 @@
           <a:ln/>
           <a:extLst>
             <a:ext uri="{FAA26D3D-D897-4be2-8F04-BA451C77F1D7}">
-              <ma14:placeholderFlag xmlns:ma14="http://schemas.microsoft.com/office/mac/drawingml/2011/main" xmlns="" val="1"/>
+              <ma14:placeholderFlag xmlns="" xmlns:ma14="http://schemas.microsoft.com/office/mac/drawingml/2011/main" val="1"/>
             </a:ext>
             <a:ext uri="{909E8E84-426E-40dd-AFC4-6F175D3DCCD1}">
-              <a14:hiddenFill xmlns:a14="http://schemas.microsoft.com/office/drawing/2010/main" xmlns="">
+              <a14:hiddenFill xmlns="" xmlns:a14="http://schemas.microsoft.com/office/drawing/2010/main">
                 <a:solidFill>
                   <a:srgbClr val="FFFFFF"/>
                 </a:solidFill>
               </a14:hiddenFill>
             </a:ext>
             <a:ext uri="{91240B29-F687-4f45-9708-019B960494DF}">
-              <a14:hiddenLine xmlns:a14="http://schemas.microsoft.com/office/drawing/2010/main" xmlns="" w="9525">
+              <a14:hiddenLine xmlns="" xmlns:a14="http://schemas.microsoft.com/office/drawing/2010/main" w="9525">
                 <a:solidFill>
                   <a:srgbClr val="000000"/>
                 </a:solidFill>
@@ -1142,14 +1142,14 @@
           <a:ln/>
           <a:extLst>
             <a:ext uri="{909E8E84-426E-40dd-AFC4-6F175D3DCCD1}">
-              <a14:hiddenFill xmlns:a14="http://schemas.microsoft.com/office/drawing/2010/main" xmlns="">
+              <a14:hiddenFill xmlns="" xmlns:a14="http://schemas.microsoft.com/office/drawing/2010/main">
                 <a:solidFill>
                   <a:srgbClr val="FFFFFF"/>
                 </a:solidFill>
               </a14:hiddenFill>
             </a:ext>
             <a:ext uri="{91240B29-F687-4f45-9708-019B960494DF}">
-              <a14:hiddenLine xmlns:a14="http://schemas.microsoft.com/office/drawing/2010/main" xmlns="" w="9525">
+              <a14:hiddenLine xmlns="" xmlns:a14="http://schemas.microsoft.com/office/drawing/2010/main" w="9525">
                 <a:solidFill>
                   <a:srgbClr val="000000"/>
                 </a:solidFill>
@@ -1310,17 +1310,17 @@
           <a:ln/>
           <a:extLst>
             <a:ext uri="{FAA26D3D-D897-4be2-8F04-BA451C77F1D7}">
-              <ma14:placeholderFlag xmlns:ma14="http://schemas.microsoft.com/office/mac/drawingml/2011/main" xmlns="" val="1"/>
+              <ma14:placeholderFlag xmlns="" xmlns:ma14="http://schemas.microsoft.com/office/mac/drawingml/2011/main" val="1"/>
             </a:ext>
             <a:ext uri="{909E8E84-426E-40dd-AFC4-6F175D3DCCD1}">
-              <a14:hiddenFill xmlns:a14="http://schemas.microsoft.com/office/drawing/2010/main" xmlns="">
+              <a14:hiddenFill xmlns="" xmlns:a14="http://schemas.microsoft.com/office/drawing/2010/main">
                 <a:solidFill>
                   <a:srgbClr val="FFFFFF"/>
                 </a:solidFill>
               </a14:hiddenFill>
             </a:ext>
             <a:ext uri="{91240B29-F687-4f45-9708-019B960494DF}">
-              <a14:hiddenLine xmlns:a14="http://schemas.microsoft.com/office/drawing/2010/main" xmlns="" w="9525">
+              <a14:hiddenLine xmlns="" xmlns:a14="http://schemas.microsoft.com/office/drawing/2010/main" w="9525">
                 <a:solidFill>
                   <a:srgbClr val="000000"/>
                 </a:solidFill>
@@ -3993,17 +3993,17 @@
           </a:ln>
           <a:extLst>
             <a:ext uri="{FAA26D3D-D897-4be2-8F04-BA451C77F1D7}">
-              <ma14:placeholderFlag xmlns:ma14="http://schemas.microsoft.com/office/mac/drawingml/2011/main" xmlns="" val="1"/>
+              <ma14:placeholderFlag xmlns="" xmlns:ma14="http://schemas.microsoft.com/office/mac/drawingml/2011/main" val="1"/>
             </a:ext>
             <a:ext uri="{909E8E84-426E-40dd-AFC4-6F175D3DCCD1}">
-              <a14:hiddenFill xmlns:a14="http://schemas.microsoft.com/office/drawing/2010/main" xmlns="">
+              <a14:hiddenFill xmlns="" xmlns:a14="http://schemas.microsoft.com/office/drawing/2010/main">
                 <a:solidFill>
                   <a:srgbClr val="FFFFFF"/>
                 </a:solidFill>
               </a14:hiddenFill>
             </a:ext>
             <a:ext uri="{91240B29-F687-4f45-9708-019B960494DF}">
-              <a14:hiddenLine xmlns:a14="http://schemas.microsoft.com/office/drawing/2010/main" xmlns="" w="9525">
+              <a14:hiddenLine xmlns="" xmlns:a14="http://schemas.microsoft.com/office/drawing/2010/main" w="9525">
                 <a:solidFill>
                   <a:srgbClr val="000000"/>
                 </a:solidFill>
@@ -4054,17 +4054,17 @@
           </a:ln>
           <a:extLst>
             <a:ext uri="{FAA26D3D-D897-4be2-8F04-BA451C77F1D7}">
-              <ma14:placeholderFlag xmlns:ma14="http://schemas.microsoft.com/office/mac/drawingml/2011/main" xmlns="" val="1"/>
+              <ma14:placeholderFlag xmlns="" xmlns:ma14="http://schemas.microsoft.com/office/mac/drawingml/2011/main" val="1"/>
             </a:ext>
             <a:ext uri="{909E8E84-426E-40dd-AFC4-6F175D3DCCD1}">
-              <a14:hiddenFill xmlns:a14="http://schemas.microsoft.com/office/drawing/2010/main" xmlns="">
+              <a14:hiddenFill xmlns="" xmlns:a14="http://schemas.microsoft.com/office/drawing/2010/main">
                 <a:solidFill>
                   <a:srgbClr val="FFFFFF"/>
                 </a:solidFill>
               </a14:hiddenFill>
             </a:ext>
             <a:ext uri="{91240B29-F687-4f45-9708-019B960494DF}">
-              <a14:hiddenLine xmlns:a14="http://schemas.microsoft.com/office/drawing/2010/main" xmlns="" w="9525">
+              <a14:hiddenLine xmlns="" xmlns:a14="http://schemas.microsoft.com/office/drawing/2010/main" w="9525">
                 <a:solidFill>
                   <a:srgbClr val="000000"/>
                 </a:solidFill>
@@ -4779,14 +4779,14 @@
           </a:ln>
           <a:extLst>
             <a:ext uri="{909E8E84-426E-40dd-AFC4-6F175D3DCCD1}">
-              <a14:hiddenFill xmlns:a14="http://schemas.microsoft.com/office/drawing/2010/main" xmlns="">
+              <a14:hiddenFill xmlns="" xmlns:a14="http://schemas.microsoft.com/office/drawing/2010/main">
                 <a:solidFill>
                   <a:srgbClr val="FFFFFF"/>
                 </a:solidFill>
               </a14:hiddenFill>
             </a:ext>
             <a:ext uri="{91240B29-F687-4f45-9708-019B960494DF}">
-              <a14:hiddenLine xmlns:a14="http://schemas.microsoft.com/office/drawing/2010/main" xmlns="" w="9525">
+              <a14:hiddenLine xmlns="" xmlns:a14="http://schemas.microsoft.com/office/drawing/2010/main" w="9525">
                 <a:solidFill>
                   <a:srgbClr val="000000"/>
                 </a:solidFill>
@@ -5260,14 +5260,14 @@
           </a:ln>
           <a:extLst>
             <a:ext uri="{909E8E84-426E-40dd-AFC4-6F175D3DCCD1}">
-              <a14:hiddenFill xmlns:a14="http://schemas.microsoft.com/office/drawing/2010/main" xmlns="">
+              <a14:hiddenFill xmlns="" xmlns:a14="http://schemas.microsoft.com/office/drawing/2010/main">
                 <a:solidFill>
                   <a:srgbClr val="FFFFFF"/>
                 </a:solidFill>
               </a14:hiddenFill>
             </a:ext>
             <a:ext uri="{91240B29-F687-4f45-9708-019B960494DF}">
-              <a14:hiddenLine xmlns:a14="http://schemas.microsoft.com/office/drawing/2010/main" xmlns="" w="9525">
+              <a14:hiddenLine xmlns="" xmlns:a14="http://schemas.microsoft.com/office/drawing/2010/main" w="9525">
                 <a:solidFill>
                   <a:srgbClr val="000000"/>
                 </a:solidFill>
@@ -5474,7 +5474,7 @@
                 <a:latin typeface="Helvetica" charset="0"/>
                 <a:cs typeface="Helvetica" charset="0"/>
               </a:rPr>
-              <a:t> é um jogo de labirinto, de gênero livre, que desenvolve-se no seguinte cenário: Mr. Mouse é um singelo ratinho que está em busca de encontrar o seu queijo na imensidão de uma cozinha, que parece mais um labirinto. Para isso, ele deverá contar com a sua agilidade e destreza para encontrar as chaves e abrir os cadeados das despensas, fazendo tudo no menor tempo possível para não ser pego.</a:t>
+              <a:t> é um jogo de labirinto, com objetivo lúdico, que desenvolve-se no seguinte cenário: Mr. Mouse é um singelo ratinho que está em busca de encontrar o seu queijo na imensidão de uma cozinha, que parece mais um labirinto. Para isso, ele deverá contar com a sua agilidade e destreza para encontrar as chaves e abrir os cadeados das despensas, fazendo tudo no menor tempo possível para não ser pego.</a:t>
             </a:r>
           </a:p>
           <a:p>
@@ -5557,7 +5557,7 @@
                 <a:latin typeface="Helvetica" charset="0"/>
                 <a:cs typeface="Helvetica" charset="0"/>
               </a:rPr>
-              <a:t>, com uma temática adaptada, em que há como obstáculo um labirinto e há objetivos definidos que devem ser concluídos até que o tempo definido se esgote.</a:t>
+              <a:t>, com uma temática adaptada, em que há como obstáculo um labirinto e objetivos definidos que devem ser concluídos até que o tempo definido se esgote.</a:t>
             </a:r>
           </a:p>
         </p:txBody>
@@ -5584,14 +5584,14 @@
           </a:ln>
           <a:extLst>
             <a:ext uri="{909E8E84-426E-40dd-AFC4-6F175D3DCCD1}">
-              <a14:hiddenFill xmlns:a14="http://schemas.microsoft.com/office/drawing/2010/main" xmlns="">
+              <a14:hiddenFill xmlns="" xmlns:a14="http://schemas.microsoft.com/office/drawing/2010/main">
                 <a:solidFill>
                   <a:srgbClr val="FFFFFF"/>
                 </a:solidFill>
               </a14:hiddenFill>
             </a:ext>
             <a:ext uri="{91240B29-F687-4f45-9708-019B960494DF}">
-              <a14:hiddenLine xmlns:a14="http://schemas.microsoft.com/office/drawing/2010/main" xmlns="" w="9525">
+              <a14:hiddenLine xmlns="" xmlns:a14="http://schemas.microsoft.com/office/drawing/2010/main" w="9525">
                 <a:solidFill>
                   <a:srgbClr val="000000"/>
                 </a:solidFill>
@@ -5887,14 +5887,14 @@
           </a:ln>
           <a:extLst>
             <a:ext uri="{909E8E84-426E-40dd-AFC4-6F175D3DCCD1}">
-              <a14:hiddenFill xmlns:a14="http://schemas.microsoft.com/office/drawing/2010/main" xmlns="">
+              <a14:hiddenFill xmlns="" xmlns:a14="http://schemas.microsoft.com/office/drawing/2010/main">
                 <a:solidFill>
                   <a:srgbClr val="FFFFFF"/>
                 </a:solidFill>
               </a14:hiddenFill>
             </a:ext>
             <a:ext uri="{91240B29-F687-4f45-9708-019B960494DF}">
-              <a14:hiddenLine xmlns:a14="http://schemas.microsoft.com/office/drawing/2010/main" xmlns="" w="9525">
+              <a14:hiddenLine xmlns="" xmlns:a14="http://schemas.microsoft.com/office/drawing/2010/main" w="9525">
                 <a:solidFill>
                   <a:srgbClr val="000000"/>
                 </a:solidFill>
@@ -6190,14 +6190,14 @@
           </a:ln>
           <a:extLst>
             <a:ext uri="{909E8E84-426E-40dd-AFC4-6F175D3DCCD1}">
-              <a14:hiddenFill xmlns:a14="http://schemas.microsoft.com/office/drawing/2010/main" xmlns="">
+              <a14:hiddenFill xmlns="" xmlns:a14="http://schemas.microsoft.com/office/drawing/2010/main">
                 <a:solidFill>
                   <a:srgbClr val="FFFFFF"/>
                 </a:solidFill>
               </a14:hiddenFill>
             </a:ext>
             <a:ext uri="{91240B29-F687-4f45-9708-019B960494DF}">
-              <a14:hiddenLine xmlns:a14="http://schemas.microsoft.com/office/drawing/2010/main" xmlns="" w="9525">
+              <a14:hiddenLine xmlns="" xmlns:a14="http://schemas.microsoft.com/office/drawing/2010/main" w="9525">
                 <a:solidFill>
                   <a:srgbClr val="000000"/>
                 </a:solidFill>
@@ -6374,7 +6374,7 @@
                 <a:latin typeface="Helvetica" charset="0"/>
                 <a:cs typeface="Helvetica" charset="0"/>
               </a:rPr>
-              <a:t>O estado atual do jogo já está bem desenvolvido. Todas as funcionalidades estão operantes para uma boa </a:t>
+              <a:t>O estado atual do jogo já está bem avançado, todas as funcionalidades estão operantes para uma boa </a:t>
             </a:r>
             <a:r>
               <a:rPr lang="pt-BR" sz="2800" dirty="0" err="1">
@@ -6394,7 +6394,7 @@
                 <a:latin typeface="Helvetica" charset="0"/>
                 <a:cs typeface="Helvetica" charset="0"/>
               </a:rPr>
-              <a:t>, como: telas de menu e fim de jogo; representação do labirinto e controles; sons e animações; desafios dentro do jogo. Algumas mudanças futuras podem ser aplicadas, como adição de novas fases, melhorias na </a:t>
+              <a:t>, como: telas de menu e fim de jogo; representação do labirinto e controles; sons e animações; desafios dentro do jogo (temporizador e interações com o labirinto). Algumas mudanças futuras podem ser aplicadas, como adição de novas fases, melhorias na </a:t>
             </a:r>
             <a:r>
               <a:rPr lang="pt-BR" sz="2800" i="1" dirty="0">
@@ -6414,7 +6414,7 @@
                 <a:latin typeface="Helvetica" charset="0"/>
                 <a:cs typeface="Helvetica" charset="0"/>
               </a:rPr>
-              <a:t>, etc. </a:t>
+              <a:t> ou no controle do jogador.</a:t>
             </a:r>
             <a:endParaRPr lang="pt-BR" sz="2800" i="1" dirty="0">
               <a:solidFill>
@@ -6448,14 +6448,14 @@
           </a:ln>
           <a:extLst>
             <a:ext uri="{909E8E84-426E-40dd-AFC4-6F175D3DCCD1}">
-              <a14:hiddenFill xmlns:a14="http://schemas.microsoft.com/office/drawing/2010/main" xmlns="">
+              <a14:hiddenFill xmlns="" xmlns:a14="http://schemas.microsoft.com/office/drawing/2010/main">
                 <a:solidFill>
                   <a:srgbClr val="FFFFFF"/>
                 </a:solidFill>
               </a14:hiddenFill>
             </a:ext>
             <a:ext uri="{91240B29-F687-4f45-9708-019B960494DF}">
-              <a14:hiddenLine xmlns:a14="http://schemas.microsoft.com/office/drawing/2010/main" xmlns="" w="9525">
+              <a14:hiddenLine xmlns="" xmlns:a14="http://schemas.microsoft.com/office/drawing/2010/main" w="9525">
                 <a:solidFill>
                   <a:srgbClr val="000000"/>
                 </a:solidFill>
@@ -6739,7 +6739,7 @@
         </p:nvSpPr>
         <p:spPr bwMode="auto">
           <a:xfrm>
-            <a:off x="664553" y="17515782"/>
+            <a:off x="664553" y="18110454"/>
             <a:ext cx="11974513" cy="648120"/>
           </a:xfrm>
           <a:prstGeom prst="rect">
@@ -6751,14 +6751,14 @@
           </a:ln>
           <a:extLst>
             <a:ext uri="{909E8E84-426E-40dd-AFC4-6F175D3DCCD1}">
-              <a14:hiddenFill xmlns:a14="http://schemas.microsoft.com/office/drawing/2010/main" xmlns="">
+              <a14:hiddenFill xmlns="" xmlns:a14="http://schemas.microsoft.com/office/drawing/2010/main">
                 <a:solidFill>
                   <a:srgbClr val="FFFFFF"/>
                 </a:solidFill>
               </a14:hiddenFill>
             </a:ext>
             <a:ext uri="{91240B29-F687-4f45-9708-019B960494DF}">
-              <a14:hiddenLine xmlns:a14="http://schemas.microsoft.com/office/drawing/2010/main" xmlns="" w="9525">
+              <a14:hiddenLine xmlns="" xmlns:a14="http://schemas.microsoft.com/office/drawing/2010/main" w="9525">
                 <a:solidFill>
                   <a:srgbClr val="000000"/>
                 </a:solidFill>
@@ -7054,14 +7054,14 @@
           </a:ln>
           <a:extLst>
             <a:ext uri="{909E8E84-426E-40dd-AFC4-6F175D3DCCD1}">
-              <a14:hiddenFill xmlns:a14="http://schemas.microsoft.com/office/drawing/2010/main" xmlns="">
+              <a14:hiddenFill xmlns="" xmlns:a14="http://schemas.microsoft.com/office/drawing/2010/main">
                 <a:solidFill>
                   <a:srgbClr val="FFFFFF"/>
                 </a:solidFill>
               </a14:hiddenFill>
             </a:ext>
             <a:ext uri="{91240B29-F687-4f45-9708-019B960494DF}">
-              <a14:hiddenLine xmlns:a14="http://schemas.microsoft.com/office/drawing/2010/main" xmlns="" w="9525">
+              <a14:hiddenLine xmlns="" xmlns:a14="http://schemas.microsoft.com/office/drawing/2010/main" w="9525">
                 <a:solidFill>
                   <a:srgbClr val="000000"/>
                 </a:solidFill>
@@ -7345,7 +7345,7 @@
         </p:nvSpPr>
         <p:spPr bwMode="auto">
           <a:xfrm>
-            <a:off x="16076613" y="28069328"/>
+            <a:off x="15839876" y="28069328"/>
             <a:ext cx="11393487" cy="4895850"/>
           </a:xfrm>
           <a:prstGeom prst="rect">
@@ -7357,14 +7357,14 @@
           </a:ln>
           <a:extLst>
             <a:ext uri="{909E8E84-426E-40dd-AFC4-6F175D3DCCD1}">
-              <a14:hiddenFill xmlns:a14="http://schemas.microsoft.com/office/drawing/2010/main" xmlns="">
+              <a14:hiddenFill xmlns="" xmlns:a14="http://schemas.microsoft.com/office/drawing/2010/main">
                 <a:solidFill>
                   <a:srgbClr val="FFFFFF"/>
                 </a:solidFill>
               </a14:hiddenFill>
             </a:ext>
             <a:ext uri="{91240B29-F687-4f45-9708-019B960494DF}">
-              <a14:hiddenLine xmlns:a14="http://schemas.microsoft.com/office/drawing/2010/main" xmlns="" w="9525">
+              <a14:hiddenLine xmlns="" xmlns:a14="http://schemas.microsoft.com/office/drawing/2010/main" w="9525">
                 <a:solidFill>
                   <a:srgbClr val="000000"/>
                 </a:solidFill>
@@ -7767,7 +7767,7 @@
                 <a:latin typeface="Helvetica" charset="0"/>
                 <a:cs typeface="Helvetica" charset="0"/>
               </a:rPr>
-              <a:t>Auxílio: </a:t>
+              <a:t>Geradores de labirinto: </a:t>
             </a:r>
             <a:r>
               <a:rPr lang="pt-BR" sz="2800" dirty="0" err="1">
@@ -7934,14 +7934,14 @@
           </a:ln>
           <a:extLst>
             <a:ext uri="{909E8E84-426E-40dd-AFC4-6F175D3DCCD1}">
-              <a14:hiddenFill xmlns:a14="http://schemas.microsoft.com/office/drawing/2010/main" xmlns="">
+              <a14:hiddenFill xmlns="" xmlns:a14="http://schemas.microsoft.com/office/drawing/2010/main">
                 <a:solidFill>
                   <a:srgbClr val="FFFFFF"/>
                 </a:solidFill>
               </a14:hiddenFill>
             </a:ext>
             <a:ext uri="{91240B29-F687-4f45-9708-019B960494DF}">
-              <a14:hiddenLine xmlns:a14="http://schemas.microsoft.com/office/drawing/2010/main" xmlns="" w="9525">
+              <a14:hiddenLine xmlns="" xmlns:a14="http://schemas.microsoft.com/office/drawing/2010/main" w="9525">
                 <a:solidFill>
                   <a:srgbClr val="000000"/>
                 </a:solidFill>
@@ -8142,14 +8142,14 @@
           </a:ln>
           <a:extLst>
             <a:ext uri="{909E8E84-426E-40dd-AFC4-6F175D3DCCD1}">
-              <a14:hiddenFill xmlns:a14="http://schemas.microsoft.com/office/drawing/2010/main" xmlns="">
+              <a14:hiddenFill xmlns="" xmlns:a14="http://schemas.microsoft.com/office/drawing/2010/main">
                 <a:solidFill>
                   <a:srgbClr val="FFFFFF"/>
                 </a:solidFill>
               </a14:hiddenFill>
             </a:ext>
             <a:ext uri="{91240B29-F687-4f45-9708-019B960494DF}">
-              <a14:hiddenLine xmlns:a14="http://schemas.microsoft.com/office/drawing/2010/main" xmlns="" w="9525">
+              <a14:hiddenLine xmlns="" xmlns:a14="http://schemas.microsoft.com/office/drawing/2010/main" w="9525">
                 <a:solidFill>
                   <a:srgbClr val="000000"/>
                 </a:solidFill>
@@ -8317,6 +8317,45 @@
               <a:buSzPct val="100000"/>
               <a:buFont typeface="Verdana" charset="0"/>
               <a:buNone/>
+            </a:pPr>
+            <a:r>
+              <a:rPr lang="pt-BR" sz="2800" dirty="0">
+                <a:solidFill>
+                  <a:srgbClr val="000000"/>
+                </a:solidFill>
+                <a:latin typeface="Helvetica" charset="0"/>
+                <a:cs typeface="Helvetica" charset="0"/>
+              </a:rPr>
+              <a:t>O principal desafio de desenvolvimento foi na maneira de representar o labirinto dentro do código. A primeira versão deu-se através de obstáculos com aplicação de um corpo físico em cada parede do labirinto, porém não provou-se escalável para adição de novas fases. A modelagem, então, escolhida para representação, foi através de matrizes, utilizando-se de valores binários (0 ou 1) para definir “pontos de obstáculo” e “pontos de caminho”. Mediante simples cálculos matemáticos, calcula-se a posição do jogador e verifica-se a instrução dada para saber se é possível movimentar-se para o ponto desejado.</a:t>
+            </a:r>
+          </a:p>
+          <a:p>
+            <a:pPr algn="just">
+              <a:lnSpc>
+                <a:spcPct val="150000"/>
+              </a:lnSpc>
+              <a:buClr>
+                <a:srgbClr val="000000"/>
+              </a:buClr>
+              <a:buSzPct val="100000"/>
+            </a:pPr>
+            <a:endParaRPr lang="pt-BR" sz="2800" dirty="0">
+              <a:solidFill>
+                <a:srgbClr val="000000"/>
+              </a:solidFill>
+              <a:latin typeface="Helvetica" charset="0"/>
+              <a:cs typeface="Helvetica" charset="0"/>
+            </a:endParaRPr>
+          </a:p>
+          <a:p>
+            <a:pPr algn="just">
+              <a:lnSpc>
+                <a:spcPct val="150000"/>
+              </a:lnSpc>
+              <a:buClr>
+                <a:srgbClr val="000000"/>
+              </a:buClr>
+              <a:buSzPct val="100000"/>
             </a:pPr>
             <a:r>
               <a:rPr lang="pt-BR" sz="2800" dirty="0">
@@ -8488,47 +8527,6 @@
                 <a:srgbClr val="000000"/>
               </a:buClr>
               <a:buSzPct val="100000"/>
-              <a:buFont typeface="Verdana" charset="0"/>
-              <a:buNone/>
-            </a:pPr>
-            <a:r>
-              <a:rPr lang="pt-BR" sz="2800" dirty="0">
-                <a:solidFill>
-                  <a:srgbClr val="000000"/>
-                </a:solidFill>
-                <a:latin typeface="Helvetica" charset="0"/>
-                <a:cs typeface="Helvetica" charset="0"/>
-              </a:rPr>
-              <a:t>O principal desafio de desenvolvimento foi na maneira de representar o labirinto dentro do código. A primeira versão deu-se através de obstáculos com aplicação de um corpo físico em cada parede do labirinto, porém não provou-se escalável para adição de novas fases. A modelagem, então, escolhida para representação, foi através de matrizes, utilizando-se de valores binários (0 ou 1) para definir “pontos de obstáculo” e “pontos de caminho”. Mediante simples cálculos matemáticos, calcula-se a posição do jogador e verifica-se a instrução dada para saber se é possível movimentar-se para o ponto desejado.</a:t>
-            </a:r>
-          </a:p>
-          <a:p>
-            <a:pPr algn="just">
-              <a:lnSpc>
-                <a:spcPct val="150000"/>
-              </a:lnSpc>
-              <a:buClr>
-                <a:srgbClr val="000000"/>
-              </a:buClr>
-              <a:buSzPct val="100000"/>
-            </a:pPr>
-            <a:endParaRPr lang="pt-BR" sz="2800" dirty="0">
-              <a:solidFill>
-                <a:srgbClr val="000000"/>
-              </a:solidFill>
-              <a:latin typeface="Helvetica" charset="0"/>
-              <a:cs typeface="Helvetica" charset="0"/>
-            </a:endParaRPr>
-          </a:p>
-          <a:p>
-            <a:pPr algn="just">
-              <a:lnSpc>
-                <a:spcPct val="150000"/>
-              </a:lnSpc>
-              <a:buClr>
-                <a:srgbClr val="000000"/>
-              </a:buClr>
-              <a:buSzPct val="100000"/>
             </a:pPr>
             <a:r>
               <a:rPr lang="pt-BR" sz="2800" dirty="0">
@@ -8618,15 +8616,21 @@
           <p:nvPr/>
         </p:nvPicPr>
         <p:blipFill>
-          <a:blip r:embed="rId3"/>
+          <a:blip r:embed="rId3">
+            <a:extLst>
+              <a:ext uri="{28A0092B-C50C-407E-A947-70E740481C1C}">
+                <a14:useLocalDpi xmlns:a14="http://schemas.microsoft.com/office/drawing/2010/main" val="0"/>
+              </a:ext>
+            </a:extLst>
+          </a:blip>
           <a:stretch>
             <a:fillRect/>
           </a:stretch>
         </p:blipFill>
         <p:spPr>
           <a:xfrm>
-            <a:off x="8801278" y="18479523"/>
-            <a:ext cx="3837788" cy="5970927"/>
+            <a:off x="8801278" y="19061150"/>
+            <a:ext cx="3837788" cy="6006729"/>
           </a:xfrm>
           <a:prstGeom prst="rect">
             <a:avLst/>
@@ -8648,15 +8652,21 @@
           <p:nvPr/>
         </p:nvPicPr>
         <p:blipFill>
-          <a:blip r:embed="rId4"/>
+          <a:blip r:embed="rId4">
+            <a:extLst>
+              <a:ext uri="{28A0092B-C50C-407E-A947-70E740481C1C}">
+                <a14:useLocalDpi xmlns:a14="http://schemas.microsoft.com/office/drawing/2010/main" val="0"/>
+              </a:ext>
+            </a:extLst>
+          </a:blip>
           <a:stretch>
             <a:fillRect/>
           </a:stretch>
         </p:blipFill>
         <p:spPr>
           <a:xfrm>
-            <a:off x="678195" y="18466478"/>
-            <a:ext cx="7743550" cy="11992184"/>
+            <a:off x="1136229" y="19061150"/>
+            <a:ext cx="6827482" cy="11992184"/>
           </a:xfrm>
           <a:prstGeom prst="rect">
             <a:avLst/>
@@ -8685,7 +8695,7 @@
         </p:blipFill>
         <p:spPr>
           <a:xfrm>
-            <a:off x="8801278" y="24473207"/>
+            <a:off x="8801278" y="25067879"/>
             <a:ext cx="3837788" cy="5985455"/>
           </a:xfrm>
           <a:prstGeom prst="rect">
@@ -8722,7 +8732,7 @@
         <p:spPr>
           <a:xfrm>
             <a:off x="5416696" y="791338"/>
-            <a:ext cx="19446583" cy="6117000"/>
+            <a:ext cx="19446582" cy="6117000"/>
           </a:xfrm>
           <a:prstGeom prst="rect">
             <a:avLst/>
@@ -8781,14 +8791,14 @@
           </a:ln>
           <a:extLst>
             <a:ext uri="{909E8E84-426E-40dd-AFC4-6F175D3DCCD1}">
-              <a14:hiddenFill xmlns:a14="http://schemas.microsoft.com/office/drawing/2010/main" xmlns="">
+              <a14:hiddenFill xmlns="" xmlns:a14="http://schemas.microsoft.com/office/drawing/2010/main">
                 <a:solidFill>
                   <a:srgbClr val="FFFFFF"/>
                 </a:solidFill>
               </a14:hiddenFill>
             </a:ext>
             <a:ext uri="{91240B29-F687-4f45-9708-019B960494DF}">
-              <a14:hiddenLine xmlns:a14="http://schemas.microsoft.com/office/drawing/2010/main" xmlns="" w="9525">
+              <a14:hiddenLine xmlns="" xmlns:a14="http://schemas.microsoft.com/office/drawing/2010/main" w="9525">
                 <a:solidFill>
                   <a:srgbClr val="000000"/>
                 </a:solidFill>
@@ -9262,14 +9272,14 @@
           </a:ln>
           <a:extLst>
             <a:ext uri="{909E8E84-426E-40dd-AFC4-6F175D3DCCD1}">
-              <a14:hiddenFill xmlns:a14="http://schemas.microsoft.com/office/drawing/2010/main" xmlns="">
+              <a14:hiddenFill xmlns="" xmlns:a14="http://schemas.microsoft.com/office/drawing/2010/main">
                 <a:solidFill>
                   <a:srgbClr val="FFFFFF"/>
                 </a:solidFill>
               </a14:hiddenFill>
             </a:ext>
             <a:ext uri="{91240B29-F687-4f45-9708-019B960494DF}">
-              <a14:hiddenLine xmlns:a14="http://schemas.microsoft.com/office/drawing/2010/main" xmlns="" w="9525">
+              <a14:hiddenLine xmlns="" xmlns:a14="http://schemas.microsoft.com/office/drawing/2010/main" w="9525">
                 <a:solidFill>
                   <a:srgbClr val="000000"/>
                 </a:solidFill>
@@ -9536,14 +9546,14 @@
           </a:ln>
           <a:extLst>
             <a:ext uri="{909E8E84-426E-40dd-AFC4-6F175D3DCCD1}">
-              <a14:hiddenFill xmlns:a14="http://schemas.microsoft.com/office/drawing/2010/main" xmlns="">
+              <a14:hiddenFill xmlns="" xmlns:a14="http://schemas.microsoft.com/office/drawing/2010/main">
                 <a:solidFill>
                   <a:srgbClr val="FFFFFF"/>
                 </a:solidFill>
               </a14:hiddenFill>
             </a:ext>
             <a:ext uri="{91240B29-F687-4f45-9708-019B960494DF}">
-              <a14:hiddenLine xmlns:a14="http://schemas.microsoft.com/office/drawing/2010/main" xmlns="" w="9525">
+              <a14:hiddenLine xmlns="" xmlns:a14="http://schemas.microsoft.com/office/drawing/2010/main" w="9525">
                 <a:solidFill>
                   <a:srgbClr val="000000"/>
                 </a:solidFill>
@@ -9839,14 +9849,14 @@
           </a:ln>
           <a:extLst>
             <a:ext uri="{909E8E84-426E-40dd-AFC4-6F175D3DCCD1}">
-              <a14:hiddenFill xmlns:a14="http://schemas.microsoft.com/office/drawing/2010/main" xmlns="">
+              <a14:hiddenFill xmlns="" xmlns:a14="http://schemas.microsoft.com/office/drawing/2010/main">
                 <a:solidFill>
                   <a:srgbClr val="FFFFFF"/>
                 </a:solidFill>
               </a14:hiddenFill>
             </a:ext>
             <a:ext uri="{91240B29-F687-4f45-9708-019B960494DF}">
-              <a14:hiddenLine xmlns:a14="http://schemas.microsoft.com/office/drawing/2010/main" xmlns="" w="9525">
+              <a14:hiddenLine xmlns="" xmlns:a14="http://schemas.microsoft.com/office/drawing/2010/main" w="9525">
                 <a:solidFill>
                   <a:srgbClr val="000000"/>
                 </a:solidFill>
@@ -10156,14 +10166,14 @@
           </a:ln>
           <a:extLst>
             <a:ext uri="{909E8E84-426E-40dd-AFC4-6F175D3DCCD1}">
-              <a14:hiddenFill xmlns:a14="http://schemas.microsoft.com/office/drawing/2010/main" xmlns="">
+              <a14:hiddenFill xmlns="" xmlns:a14="http://schemas.microsoft.com/office/drawing/2010/main">
                 <a:solidFill>
                   <a:srgbClr val="FFFFFF"/>
                 </a:solidFill>
               </a14:hiddenFill>
             </a:ext>
             <a:ext uri="{91240B29-F687-4f45-9708-019B960494DF}">
-              <a14:hiddenLine xmlns:a14="http://schemas.microsoft.com/office/drawing/2010/main" xmlns="" w="9525">
+              <a14:hiddenLine xmlns="" xmlns:a14="http://schemas.microsoft.com/office/drawing/2010/main" w="9525">
                 <a:solidFill>
                   <a:srgbClr val="000000"/>
                 </a:solidFill>
@@ -10459,14 +10469,14 @@
           </a:ln>
           <a:extLst>
             <a:ext uri="{909E8E84-426E-40dd-AFC4-6F175D3DCCD1}">
-              <a14:hiddenFill xmlns:a14="http://schemas.microsoft.com/office/drawing/2010/main" xmlns="">
+              <a14:hiddenFill xmlns="" xmlns:a14="http://schemas.microsoft.com/office/drawing/2010/main">
                 <a:solidFill>
                   <a:srgbClr val="FFFFFF"/>
                 </a:solidFill>
               </a14:hiddenFill>
             </a:ext>
             <a:ext uri="{91240B29-F687-4f45-9708-019B960494DF}">
-              <a14:hiddenLine xmlns:a14="http://schemas.microsoft.com/office/drawing/2010/main" xmlns="" w="9525">
+              <a14:hiddenLine xmlns="" xmlns:a14="http://schemas.microsoft.com/office/drawing/2010/main" w="9525">
                 <a:solidFill>
                   <a:srgbClr val="000000"/>
                 </a:solidFill>
@@ -10670,14 +10680,14 @@
           </a:ln>
           <a:extLst>
             <a:ext uri="{909E8E84-426E-40dd-AFC4-6F175D3DCCD1}">
-              <a14:hiddenFill xmlns:a14="http://schemas.microsoft.com/office/drawing/2010/main" xmlns="">
+              <a14:hiddenFill xmlns="" xmlns:a14="http://schemas.microsoft.com/office/drawing/2010/main">
                 <a:solidFill>
                   <a:srgbClr val="FFFFFF"/>
                 </a:solidFill>
               </a14:hiddenFill>
             </a:ext>
             <a:ext uri="{91240B29-F687-4f45-9708-019B960494DF}">
-              <a14:hiddenLine xmlns:a14="http://schemas.microsoft.com/office/drawing/2010/main" xmlns="" w="9525">
+              <a14:hiddenLine xmlns="" xmlns:a14="http://schemas.microsoft.com/office/drawing/2010/main" w="9525">
                 <a:solidFill>
                   <a:srgbClr val="000000"/>
                 </a:solidFill>
@@ -10973,14 +10983,14 @@
           </a:ln>
           <a:extLst>
             <a:ext uri="{909E8E84-426E-40dd-AFC4-6F175D3DCCD1}">
-              <a14:hiddenFill xmlns:a14="http://schemas.microsoft.com/office/drawing/2010/main" xmlns="">
+              <a14:hiddenFill xmlns="" xmlns:a14="http://schemas.microsoft.com/office/drawing/2010/main">
                 <a:solidFill>
                   <a:srgbClr val="FFFFFF"/>
                 </a:solidFill>
               </a14:hiddenFill>
             </a:ext>
             <a:ext uri="{91240B29-F687-4f45-9708-019B960494DF}">
-              <a14:hiddenLine xmlns:a14="http://schemas.microsoft.com/office/drawing/2010/main" xmlns="" w="9525">
+              <a14:hiddenLine xmlns="" xmlns:a14="http://schemas.microsoft.com/office/drawing/2010/main" w="9525">
                 <a:solidFill>
                   <a:srgbClr val="000000"/>
                 </a:solidFill>
@@ -11276,14 +11286,14 @@
           </a:ln>
           <a:extLst>
             <a:ext uri="{909E8E84-426E-40dd-AFC4-6F175D3DCCD1}">
-              <a14:hiddenFill xmlns:a14="http://schemas.microsoft.com/office/drawing/2010/main" xmlns="">
+              <a14:hiddenFill xmlns="" xmlns:a14="http://schemas.microsoft.com/office/drawing/2010/main">
                 <a:solidFill>
                   <a:srgbClr val="FFFFFF"/>
                 </a:solidFill>
               </a14:hiddenFill>
             </a:ext>
             <a:ext uri="{91240B29-F687-4f45-9708-019B960494DF}">
-              <a14:hiddenLine xmlns:a14="http://schemas.microsoft.com/office/drawing/2010/main" xmlns="" w="9525">
+              <a14:hiddenLine xmlns="" xmlns:a14="http://schemas.microsoft.com/office/drawing/2010/main" w="9525">
                 <a:solidFill>
                   <a:srgbClr val="000000"/>
                 </a:solidFill>
@@ -11579,14 +11589,14 @@
           </a:ln>
           <a:extLst>
             <a:ext uri="{909E8E84-426E-40dd-AFC4-6F175D3DCCD1}">
-              <a14:hiddenFill xmlns:a14="http://schemas.microsoft.com/office/drawing/2010/main" xmlns="">
+              <a14:hiddenFill xmlns="" xmlns:a14="http://schemas.microsoft.com/office/drawing/2010/main">
                 <a:solidFill>
                   <a:srgbClr val="FFFFFF"/>
                 </a:solidFill>
               </a14:hiddenFill>
             </a:ext>
             <a:ext uri="{91240B29-F687-4f45-9708-019B960494DF}">
-              <a14:hiddenLine xmlns:a14="http://schemas.microsoft.com/office/drawing/2010/main" xmlns="" w="9525">
+              <a14:hiddenLine xmlns="" xmlns:a14="http://schemas.microsoft.com/office/drawing/2010/main" w="9525">
                 <a:solidFill>
                   <a:srgbClr val="000000"/>
                 </a:solidFill>
@@ -11790,14 +11800,14 @@
           </a:ln>
           <a:extLst>
             <a:ext uri="{909E8E84-426E-40dd-AFC4-6F175D3DCCD1}">
-              <a14:hiddenFill xmlns:a14="http://schemas.microsoft.com/office/drawing/2010/main" xmlns="">
+              <a14:hiddenFill xmlns="" xmlns:a14="http://schemas.microsoft.com/office/drawing/2010/main">
                 <a:solidFill>
                   <a:srgbClr val="FFFFFF"/>
                 </a:solidFill>
               </a14:hiddenFill>
             </a:ext>
             <a:ext uri="{91240B29-F687-4f45-9708-019B960494DF}">
-              <a14:hiddenLine xmlns:a14="http://schemas.microsoft.com/office/drawing/2010/main" xmlns="" w="9525">
+              <a14:hiddenLine xmlns="" xmlns:a14="http://schemas.microsoft.com/office/drawing/2010/main" w="9525">
                 <a:solidFill>
                   <a:srgbClr val="000000"/>
                 </a:solidFill>
@@ -12042,14 +12052,14 @@
           </a:ln>
           <a:extLst>
             <a:ext uri="{909E8E84-426E-40dd-AFC4-6F175D3DCCD1}">
-              <a14:hiddenFill xmlns:a14="http://schemas.microsoft.com/office/drawing/2010/main" xmlns="">
+              <a14:hiddenFill xmlns="" xmlns:a14="http://schemas.microsoft.com/office/drawing/2010/main">
                 <a:solidFill>
                   <a:srgbClr val="FFFFFF"/>
                 </a:solidFill>
               </a14:hiddenFill>
             </a:ext>
             <a:ext uri="{91240B29-F687-4f45-9708-019B960494DF}">
-              <a14:hiddenLine xmlns:a14="http://schemas.microsoft.com/office/drawing/2010/main" xmlns="" w="9525">
+              <a14:hiddenLine xmlns="" xmlns:a14="http://schemas.microsoft.com/office/drawing/2010/main" w="9525">
                 <a:solidFill>
                   <a:srgbClr val="000000"/>
                 </a:solidFill>

--- a/Poster.pptx
+++ b/Poster.pptx
@@ -5540,7 +5540,7 @@
               <a:t>, como o </a:t>
             </a:r>
             <a:r>
-              <a:rPr lang="pt-BR" sz="2800" dirty="0" err="1">
+              <a:rPr lang="pt-BR" sz="2800" i="1" dirty="0" err="1">
                 <a:solidFill>
                   <a:srgbClr val="000000"/>
                 </a:solidFill>
@@ -8306,6 +8306,69 @@
               </a:defRPr>
             </a:lvl9pPr>
           </a:lstStyle>
+          <a:p>
+            <a:pPr algn="just">
+              <a:lnSpc>
+                <a:spcPct val="150000"/>
+              </a:lnSpc>
+              <a:buClr>
+                <a:srgbClr val="000000"/>
+              </a:buClr>
+              <a:buSzPct val="100000"/>
+              <a:buFont typeface="Verdana" charset="0"/>
+              <a:buNone/>
+            </a:pPr>
+            <a:r>
+              <a:rPr lang="pt-BR" sz="2800" dirty="0">
+                <a:solidFill>
+                  <a:srgbClr val="000000"/>
+                </a:solidFill>
+                <a:latin typeface="Helvetica" charset="0"/>
+                <a:cs typeface="Helvetica" charset="0"/>
+              </a:rPr>
+              <a:t>Desde a concepção do jogo, houveram algumas fases para validação da ideia. Foram feitos esboços em papel quanto ao cenário do jogo e então foram analisados em sala de aula; além de testes com terceiros para analisar a </a:t>
+            </a:r>
+            <a:r>
+              <a:rPr lang="pt-BR" sz="2800" dirty="0" err="1">
+                <a:solidFill>
+                  <a:srgbClr val="000000"/>
+                </a:solidFill>
+                <a:latin typeface="Helvetica" charset="0"/>
+                <a:cs typeface="Helvetica" charset="0"/>
+              </a:rPr>
+              <a:t>jogabilidade</a:t>
+            </a:r>
+            <a:r>
+              <a:rPr lang="pt-BR" sz="2800" dirty="0">
+                <a:solidFill>
+                  <a:srgbClr val="000000"/>
+                </a:solidFill>
+                <a:latin typeface="Helvetica" charset="0"/>
+                <a:cs typeface="Helvetica" charset="0"/>
+              </a:rPr>
+              <a:t> e a proposta apresentada.</a:t>
+            </a:r>
+          </a:p>
+          <a:p>
+            <a:pPr algn="just">
+              <a:lnSpc>
+                <a:spcPct val="150000"/>
+              </a:lnSpc>
+              <a:buClr>
+                <a:srgbClr val="000000"/>
+              </a:buClr>
+              <a:buSzPct val="100000"/>
+              <a:buFont typeface="Verdana" charset="0"/>
+              <a:buNone/>
+            </a:pPr>
+            <a:endParaRPr lang="pt-BR" sz="2800" dirty="0">
+              <a:solidFill>
+                <a:srgbClr val="000000"/>
+              </a:solidFill>
+              <a:latin typeface="Helvetica" charset="0"/>
+              <a:cs typeface="Helvetica" charset="0"/>
+            </a:endParaRPr>
+          </a:p>
           <a:p>
             <a:pPr algn="just">
               <a:lnSpc>
